--- a/我要一心稱謝你.pptx
+++ b/我要一心稱謝你.pptx
@@ -2,7 +2,7 @@
 <file path=ppt/presentation.xml><?xml version="1.0" encoding="utf-8"?>
 <p:presentation xmlns:a="http://schemas.openxmlformats.org/drawingml/2006/main" xmlns:r="http://schemas.openxmlformats.org/officeDocument/2006/relationships" xmlns:p="http://schemas.openxmlformats.org/presentationml/2006/main" saveSubsetFonts="1">
   <p:sldMasterIdLst>
-    <p:sldMasterId id="2147483648" r:id="rId1"/>
+    <p:sldMasterId id="2147483660" r:id="rId1"/>
   </p:sldMasterIdLst>
   <p:sldIdLst>
     <p:sldId id="257" r:id="rId2"/>
@@ -10,7 +10,7 @@
     <p:sldId id="259" r:id="rId4"/>
     <p:sldId id="260" r:id="rId5"/>
   </p:sldIdLst>
-  <p:sldSz cx="9144000" cy="6858000" type="screen4x3"/>
+  <p:sldSz cx="12192000" cy="6858000"/>
   <p:notesSz cx="6858000" cy="9144000"/>
   <p:defaultTextStyle>
     <a:defPPr>
@@ -107,6 +107,22 @@
       </a:defRPr>
     </a:lvl9pPr>
   </p:defaultTextStyle>
+  <p:extLst>
+    <p:ext uri="{EFAFB233-063F-42B5-8137-9DF3F51BA10A}">
+      <p15:sldGuideLst xmlns:p15="http://schemas.microsoft.com/office/powerpoint/2012/main">
+        <p15:guide id="1" orient="horz" pos="2160" userDrawn="1">
+          <p15:clr>
+            <a:srgbClr val="A4A3A4"/>
+          </p15:clr>
+        </p15:guide>
+        <p15:guide id="2" pos="3840" userDrawn="1">
+          <p15:clr>
+            <a:srgbClr val="A4A3A4"/>
+          </p15:clr>
+        </p15:guide>
+      </p15:sldGuideLst>
+    </p:ext>
+  </p:extLst>
 </p:presentation>
 </file>
 
@@ -139,8 +155,8 @@
         </p:nvSpPr>
         <p:spPr>
           <a:xfrm>
-            <a:off x="685800" y="2130425"/>
-            <a:ext cx="7772400" cy="1470025"/>
+            <a:off x="914400" y="2130426"/>
+            <a:ext cx="10363200" cy="1470025"/>
           </a:xfrm>
         </p:spPr>
         <p:txBody>
@@ -148,8 +164,8 @@
           <a:lstStyle/>
           <a:p>
             <a:r>
-              <a:rPr lang="zh-TW" altLang="en-US" smtClean="0"/>
-              <a:t>按一下以編輯母片標題樣式</a:t>
+              <a:rPr lang="en-US" altLang="zh-TW" smtClean="0"/>
+              <a:t>Click to edit Master title style</a:t>
             </a:r>
             <a:endParaRPr lang="zh-TW" altLang="en-US"/>
           </a:p>
@@ -167,8 +183,8 @@
         </p:nvSpPr>
         <p:spPr>
           <a:xfrm>
-            <a:off x="1371600" y="3886200"/>
-            <a:ext cx="6400800" cy="1752600"/>
+            <a:off x="1828800" y="3886200"/>
+            <a:ext cx="8534400" cy="1752600"/>
           </a:xfrm>
         </p:spPr>
         <p:txBody>
@@ -267,8 +283,8 @@
           </a:lstStyle>
           <a:p>
             <a:r>
-              <a:rPr lang="zh-TW" altLang="en-US" smtClean="0"/>
-              <a:t>按一下以編輯母片副標題樣式</a:t>
+              <a:rPr lang="en-US" altLang="zh-TW" smtClean="0"/>
+              <a:t>Click to edit Master subtitle style</a:t>
             </a:r>
             <a:endParaRPr lang="zh-TW" altLang="en-US"/>
           </a:p>
@@ -291,7 +307,7 @@
           <a:p>
             <a:fld id="{58A801DE-A84B-4B0E-9952-CA2C35DE68C4}" type="datetimeFigureOut">
               <a:rPr lang="zh-TW" altLang="en-US" smtClean="0"/>
-              <a:t>2017/11/28</a:t>
+              <a:t>2019/12/14</a:t>
             </a:fld>
             <a:endParaRPr lang="zh-TW" altLang="en-US"/>
           </a:p>
@@ -340,6 +356,11 @@
         </p:txBody>
       </p:sp>
     </p:spTree>
+    <p:extLst>
+      <p:ext uri="{BB962C8B-B14F-4D97-AF65-F5344CB8AC3E}">
+        <p14:creationId xmlns:p14="http://schemas.microsoft.com/office/powerpoint/2010/main" val="713459704"/>
+      </p:ext>
+    </p:extLst>
   </p:cSld>
   <p:clrMapOvr>
     <a:masterClrMapping/>
@@ -380,8 +401,8 @@
           <a:lstStyle/>
           <a:p>
             <a:r>
-              <a:rPr lang="zh-TW" altLang="en-US" smtClean="0"/>
-              <a:t>按一下以編輯母片標題樣式</a:t>
+              <a:rPr lang="en-US" altLang="zh-TW" smtClean="0"/>
+              <a:t>Click to edit Master title style</a:t>
             </a:r>
             <a:endParaRPr lang="zh-TW" altLang="en-US"/>
           </a:p>
@@ -404,36 +425,36 @@
           <a:p>
             <a:pPr lvl="0"/>
             <a:r>
-              <a:rPr lang="zh-TW" altLang="en-US" smtClean="0"/>
-              <a:t>按一下以編輯母片文字樣式</a:t>
+              <a:rPr lang="en-US" altLang="zh-TW" smtClean="0"/>
+              <a:t>Edit Master text styles</a:t>
             </a:r>
           </a:p>
           <a:p>
             <a:pPr lvl="1"/>
             <a:r>
-              <a:rPr lang="zh-TW" altLang="en-US" smtClean="0"/>
-              <a:t>第二層</a:t>
+              <a:rPr lang="en-US" altLang="zh-TW" smtClean="0"/>
+              <a:t>Second level</a:t>
             </a:r>
           </a:p>
           <a:p>
             <a:pPr lvl="2"/>
             <a:r>
-              <a:rPr lang="zh-TW" altLang="en-US" smtClean="0"/>
-              <a:t>第三層</a:t>
+              <a:rPr lang="en-US" altLang="zh-TW" smtClean="0"/>
+              <a:t>Third level</a:t>
             </a:r>
           </a:p>
           <a:p>
             <a:pPr lvl="3"/>
             <a:r>
-              <a:rPr lang="zh-TW" altLang="en-US" smtClean="0"/>
-              <a:t>第四層</a:t>
+              <a:rPr lang="en-US" altLang="zh-TW" smtClean="0"/>
+              <a:t>Fourth level</a:t>
             </a:r>
           </a:p>
           <a:p>
             <a:pPr lvl="4"/>
             <a:r>
-              <a:rPr lang="zh-TW" altLang="en-US" smtClean="0"/>
-              <a:t>第五層</a:t>
+              <a:rPr lang="en-US" altLang="zh-TW" smtClean="0"/>
+              <a:t>Fifth level</a:t>
             </a:r>
             <a:endParaRPr lang="zh-TW" altLang="en-US"/>
           </a:p>
@@ -456,7 +477,7 @@
           <a:p>
             <a:fld id="{58A801DE-A84B-4B0E-9952-CA2C35DE68C4}" type="datetimeFigureOut">
               <a:rPr lang="zh-TW" altLang="en-US" smtClean="0"/>
-              <a:t>2017/11/28</a:t>
+              <a:t>2019/12/14</a:t>
             </a:fld>
             <a:endParaRPr lang="zh-TW" altLang="en-US"/>
           </a:p>
@@ -505,6 +526,11 @@
         </p:txBody>
       </p:sp>
     </p:spTree>
+    <p:extLst>
+      <p:ext uri="{BB962C8B-B14F-4D97-AF65-F5344CB8AC3E}">
+        <p14:creationId xmlns:p14="http://schemas.microsoft.com/office/powerpoint/2010/main" val="2602559596"/>
+      </p:ext>
+    </p:extLst>
   </p:cSld>
   <p:clrMapOvr>
     <a:masterClrMapping/>
@@ -541,8 +567,8 @@
         </p:nvSpPr>
         <p:spPr>
           <a:xfrm>
-            <a:off x="6629400" y="274638"/>
-            <a:ext cx="2057400" cy="5851525"/>
+            <a:off x="8839200" y="274639"/>
+            <a:ext cx="2743200" cy="5851525"/>
           </a:xfrm>
         </p:spPr>
         <p:txBody>
@@ -550,8 +576,8 @@
           <a:lstStyle/>
           <a:p>
             <a:r>
-              <a:rPr lang="zh-TW" altLang="en-US" smtClean="0"/>
-              <a:t>按一下以編輯母片標題樣式</a:t>
+              <a:rPr lang="en-US" altLang="zh-TW" smtClean="0"/>
+              <a:t>Click to edit Master title style</a:t>
             </a:r>
             <a:endParaRPr lang="zh-TW" altLang="en-US"/>
           </a:p>
@@ -569,8 +595,8 @@
         </p:nvSpPr>
         <p:spPr>
           <a:xfrm>
-            <a:off x="457200" y="274638"/>
-            <a:ext cx="6019800" cy="5851525"/>
+            <a:off x="609600" y="274639"/>
+            <a:ext cx="8026400" cy="5851525"/>
           </a:xfrm>
         </p:spPr>
         <p:txBody>
@@ -579,36 +605,36 @@
           <a:p>
             <a:pPr lvl="0"/>
             <a:r>
-              <a:rPr lang="zh-TW" altLang="en-US" smtClean="0"/>
-              <a:t>按一下以編輯母片文字樣式</a:t>
+              <a:rPr lang="en-US" altLang="zh-TW" smtClean="0"/>
+              <a:t>Edit Master text styles</a:t>
             </a:r>
           </a:p>
           <a:p>
             <a:pPr lvl="1"/>
             <a:r>
-              <a:rPr lang="zh-TW" altLang="en-US" smtClean="0"/>
-              <a:t>第二層</a:t>
+              <a:rPr lang="en-US" altLang="zh-TW" smtClean="0"/>
+              <a:t>Second level</a:t>
             </a:r>
           </a:p>
           <a:p>
             <a:pPr lvl="2"/>
             <a:r>
-              <a:rPr lang="zh-TW" altLang="en-US" smtClean="0"/>
-              <a:t>第三層</a:t>
+              <a:rPr lang="en-US" altLang="zh-TW" smtClean="0"/>
+              <a:t>Third level</a:t>
             </a:r>
           </a:p>
           <a:p>
             <a:pPr lvl="3"/>
             <a:r>
-              <a:rPr lang="zh-TW" altLang="en-US" smtClean="0"/>
-              <a:t>第四層</a:t>
+              <a:rPr lang="en-US" altLang="zh-TW" smtClean="0"/>
+              <a:t>Fourth level</a:t>
             </a:r>
           </a:p>
           <a:p>
             <a:pPr lvl="4"/>
             <a:r>
-              <a:rPr lang="zh-TW" altLang="en-US" smtClean="0"/>
-              <a:t>第五層</a:t>
+              <a:rPr lang="en-US" altLang="zh-TW" smtClean="0"/>
+              <a:t>Fifth level</a:t>
             </a:r>
             <a:endParaRPr lang="zh-TW" altLang="en-US"/>
           </a:p>
@@ -631,7 +657,7 @@
           <a:p>
             <a:fld id="{58A801DE-A84B-4B0E-9952-CA2C35DE68C4}" type="datetimeFigureOut">
               <a:rPr lang="zh-TW" altLang="en-US" smtClean="0"/>
-              <a:t>2017/11/28</a:t>
+              <a:t>2019/12/14</a:t>
             </a:fld>
             <a:endParaRPr lang="zh-TW" altLang="en-US"/>
           </a:p>
@@ -680,6 +706,11 @@
         </p:txBody>
       </p:sp>
     </p:spTree>
+    <p:extLst>
+      <p:ext uri="{BB962C8B-B14F-4D97-AF65-F5344CB8AC3E}">
+        <p14:creationId xmlns:p14="http://schemas.microsoft.com/office/powerpoint/2010/main" val="2304601909"/>
+      </p:ext>
+    </p:extLst>
   </p:cSld>
   <p:clrMapOvr>
     <a:masterClrMapping/>
@@ -720,8 +751,8 @@
           <a:lstStyle/>
           <a:p>
             <a:r>
-              <a:rPr lang="zh-TW" altLang="en-US" smtClean="0"/>
-              <a:t>按一下以編輯母片標題樣式</a:t>
+              <a:rPr lang="en-US" altLang="zh-TW" smtClean="0"/>
+              <a:t>Click to edit Master title style</a:t>
             </a:r>
             <a:endParaRPr lang="zh-TW" altLang="en-US"/>
           </a:p>
@@ -744,36 +775,36 @@
           <a:p>
             <a:pPr lvl="0"/>
             <a:r>
-              <a:rPr lang="zh-TW" altLang="en-US" smtClean="0"/>
-              <a:t>按一下以編輯母片文字樣式</a:t>
+              <a:rPr lang="en-US" altLang="zh-TW" smtClean="0"/>
+              <a:t>Edit Master text styles</a:t>
             </a:r>
           </a:p>
           <a:p>
             <a:pPr lvl="1"/>
             <a:r>
-              <a:rPr lang="zh-TW" altLang="en-US" smtClean="0"/>
-              <a:t>第二層</a:t>
+              <a:rPr lang="en-US" altLang="zh-TW" smtClean="0"/>
+              <a:t>Second level</a:t>
             </a:r>
           </a:p>
           <a:p>
             <a:pPr lvl="2"/>
             <a:r>
-              <a:rPr lang="zh-TW" altLang="en-US" smtClean="0"/>
-              <a:t>第三層</a:t>
+              <a:rPr lang="en-US" altLang="zh-TW" smtClean="0"/>
+              <a:t>Third level</a:t>
             </a:r>
           </a:p>
           <a:p>
             <a:pPr lvl="3"/>
             <a:r>
-              <a:rPr lang="zh-TW" altLang="en-US" smtClean="0"/>
-              <a:t>第四層</a:t>
+              <a:rPr lang="en-US" altLang="zh-TW" smtClean="0"/>
+              <a:t>Fourth level</a:t>
             </a:r>
           </a:p>
           <a:p>
             <a:pPr lvl="4"/>
             <a:r>
-              <a:rPr lang="zh-TW" altLang="en-US" smtClean="0"/>
-              <a:t>第五層</a:t>
+              <a:rPr lang="en-US" altLang="zh-TW" smtClean="0"/>
+              <a:t>Fifth level</a:t>
             </a:r>
             <a:endParaRPr lang="zh-TW" altLang="en-US"/>
           </a:p>
@@ -796,7 +827,7 @@
           <a:p>
             <a:fld id="{58A801DE-A84B-4B0E-9952-CA2C35DE68C4}" type="datetimeFigureOut">
               <a:rPr lang="zh-TW" altLang="en-US" smtClean="0"/>
-              <a:t>2017/11/28</a:t>
+              <a:t>2019/12/14</a:t>
             </a:fld>
             <a:endParaRPr lang="zh-TW" altLang="en-US"/>
           </a:p>
@@ -845,6 +876,11 @@
         </p:txBody>
       </p:sp>
     </p:spTree>
+    <p:extLst>
+      <p:ext uri="{BB962C8B-B14F-4D97-AF65-F5344CB8AC3E}">
+        <p14:creationId xmlns:p14="http://schemas.microsoft.com/office/powerpoint/2010/main" val="435864713"/>
+      </p:ext>
+    </p:extLst>
   </p:cSld>
   <p:clrMapOvr>
     <a:masterClrMapping/>
@@ -881,8 +917,8 @@
         </p:nvSpPr>
         <p:spPr>
           <a:xfrm>
-            <a:off x="722313" y="4406900"/>
-            <a:ext cx="7772400" cy="1362075"/>
+            <a:off x="963084" y="4406901"/>
+            <a:ext cx="10363200" cy="1362075"/>
           </a:xfrm>
         </p:spPr>
         <p:txBody>
@@ -894,8 +930,8 @@
           </a:lstStyle>
           <a:p>
             <a:r>
-              <a:rPr lang="zh-TW" altLang="en-US" smtClean="0"/>
-              <a:t>按一下以編輯母片標題樣式</a:t>
+              <a:rPr lang="en-US" altLang="zh-TW" smtClean="0"/>
+              <a:t>Click to edit Master title style</a:t>
             </a:r>
             <a:endParaRPr lang="zh-TW" altLang="en-US"/>
           </a:p>
@@ -913,8 +949,8 @@
         </p:nvSpPr>
         <p:spPr>
           <a:xfrm>
-            <a:off x="722313" y="2906713"/>
-            <a:ext cx="7772400" cy="1500187"/>
+            <a:off x="963084" y="2906713"/>
+            <a:ext cx="10363200" cy="1500187"/>
           </a:xfrm>
         </p:spPr>
         <p:txBody>
@@ -1014,8 +1050,8 @@
           <a:p>
             <a:pPr lvl="0"/>
             <a:r>
-              <a:rPr lang="zh-TW" altLang="en-US" smtClean="0"/>
-              <a:t>按一下以編輯母片文字樣式</a:t>
+              <a:rPr lang="en-US" altLang="zh-TW" smtClean="0"/>
+              <a:t>Edit Master text styles</a:t>
             </a:r>
           </a:p>
         </p:txBody>
@@ -1037,7 +1073,7 @@
           <a:p>
             <a:fld id="{58A801DE-A84B-4B0E-9952-CA2C35DE68C4}" type="datetimeFigureOut">
               <a:rPr lang="zh-TW" altLang="en-US" smtClean="0"/>
-              <a:t>2017/11/28</a:t>
+              <a:t>2019/12/14</a:t>
             </a:fld>
             <a:endParaRPr lang="zh-TW" altLang="en-US"/>
           </a:p>
@@ -1086,6 +1122,11 @@
         </p:txBody>
       </p:sp>
     </p:spTree>
+    <p:extLst>
+      <p:ext uri="{BB962C8B-B14F-4D97-AF65-F5344CB8AC3E}">
+        <p14:creationId xmlns:p14="http://schemas.microsoft.com/office/powerpoint/2010/main" val="2448436790"/>
+      </p:ext>
+    </p:extLst>
   </p:cSld>
   <p:clrMapOvr>
     <a:masterClrMapping/>
@@ -1126,8 +1167,8 @@
           <a:lstStyle/>
           <a:p>
             <a:r>
-              <a:rPr lang="zh-TW" altLang="en-US" smtClean="0"/>
-              <a:t>按一下以編輯母片標題樣式</a:t>
+              <a:rPr lang="en-US" altLang="zh-TW" smtClean="0"/>
+              <a:t>Click to edit Master title style</a:t>
             </a:r>
             <a:endParaRPr lang="zh-TW" altLang="en-US"/>
           </a:p>
@@ -1145,8 +1186,8 @@
         </p:nvSpPr>
         <p:spPr>
           <a:xfrm>
-            <a:off x="457200" y="1600200"/>
-            <a:ext cx="4038600" cy="4525963"/>
+            <a:off x="609600" y="1600201"/>
+            <a:ext cx="5384800" cy="4525963"/>
           </a:xfrm>
         </p:spPr>
         <p:txBody>
@@ -1183,36 +1224,36 @@
           <a:p>
             <a:pPr lvl="0"/>
             <a:r>
-              <a:rPr lang="zh-TW" altLang="en-US" smtClean="0"/>
-              <a:t>按一下以編輯母片文字樣式</a:t>
+              <a:rPr lang="en-US" altLang="zh-TW" smtClean="0"/>
+              <a:t>Edit Master text styles</a:t>
             </a:r>
           </a:p>
           <a:p>
             <a:pPr lvl="1"/>
             <a:r>
-              <a:rPr lang="zh-TW" altLang="en-US" smtClean="0"/>
-              <a:t>第二層</a:t>
+              <a:rPr lang="en-US" altLang="zh-TW" smtClean="0"/>
+              <a:t>Second level</a:t>
             </a:r>
           </a:p>
           <a:p>
             <a:pPr lvl="2"/>
             <a:r>
-              <a:rPr lang="zh-TW" altLang="en-US" smtClean="0"/>
-              <a:t>第三層</a:t>
+              <a:rPr lang="en-US" altLang="zh-TW" smtClean="0"/>
+              <a:t>Third level</a:t>
             </a:r>
           </a:p>
           <a:p>
             <a:pPr lvl="3"/>
             <a:r>
-              <a:rPr lang="zh-TW" altLang="en-US" smtClean="0"/>
-              <a:t>第四層</a:t>
+              <a:rPr lang="en-US" altLang="zh-TW" smtClean="0"/>
+              <a:t>Fourth level</a:t>
             </a:r>
           </a:p>
           <a:p>
             <a:pPr lvl="4"/>
             <a:r>
-              <a:rPr lang="zh-TW" altLang="en-US" smtClean="0"/>
-              <a:t>第五層</a:t>
+              <a:rPr lang="en-US" altLang="zh-TW" smtClean="0"/>
+              <a:t>Fifth level</a:t>
             </a:r>
             <a:endParaRPr lang="zh-TW" altLang="en-US"/>
           </a:p>
@@ -1230,8 +1271,8 @@
         </p:nvSpPr>
         <p:spPr>
           <a:xfrm>
-            <a:off x="4648200" y="1600200"/>
-            <a:ext cx="4038600" cy="4525963"/>
+            <a:off x="6197600" y="1600201"/>
+            <a:ext cx="5384800" cy="4525963"/>
           </a:xfrm>
         </p:spPr>
         <p:txBody>
@@ -1268,36 +1309,36 @@
           <a:p>
             <a:pPr lvl="0"/>
             <a:r>
-              <a:rPr lang="zh-TW" altLang="en-US" smtClean="0"/>
-              <a:t>按一下以編輯母片文字樣式</a:t>
+              <a:rPr lang="en-US" altLang="zh-TW" smtClean="0"/>
+              <a:t>Edit Master text styles</a:t>
             </a:r>
           </a:p>
           <a:p>
             <a:pPr lvl="1"/>
             <a:r>
-              <a:rPr lang="zh-TW" altLang="en-US" smtClean="0"/>
-              <a:t>第二層</a:t>
+              <a:rPr lang="en-US" altLang="zh-TW" smtClean="0"/>
+              <a:t>Second level</a:t>
             </a:r>
           </a:p>
           <a:p>
             <a:pPr lvl="2"/>
             <a:r>
-              <a:rPr lang="zh-TW" altLang="en-US" smtClean="0"/>
-              <a:t>第三層</a:t>
+              <a:rPr lang="en-US" altLang="zh-TW" smtClean="0"/>
+              <a:t>Third level</a:t>
             </a:r>
           </a:p>
           <a:p>
             <a:pPr lvl="3"/>
             <a:r>
-              <a:rPr lang="zh-TW" altLang="en-US" smtClean="0"/>
-              <a:t>第四層</a:t>
+              <a:rPr lang="en-US" altLang="zh-TW" smtClean="0"/>
+              <a:t>Fourth level</a:t>
             </a:r>
           </a:p>
           <a:p>
             <a:pPr lvl="4"/>
             <a:r>
-              <a:rPr lang="zh-TW" altLang="en-US" smtClean="0"/>
-              <a:t>第五層</a:t>
+              <a:rPr lang="en-US" altLang="zh-TW" smtClean="0"/>
+              <a:t>Fifth level</a:t>
             </a:r>
             <a:endParaRPr lang="zh-TW" altLang="en-US"/>
           </a:p>
@@ -1320,7 +1361,7 @@
           <a:p>
             <a:fld id="{58A801DE-A84B-4B0E-9952-CA2C35DE68C4}" type="datetimeFigureOut">
               <a:rPr lang="zh-TW" altLang="en-US" smtClean="0"/>
-              <a:t>2017/11/28</a:t>
+              <a:t>2019/12/14</a:t>
             </a:fld>
             <a:endParaRPr lang="zh-TW" altLang="en-US"/>
           </a:p>
@@ -1369,6 +1410,11 @@
         </p:txBody>
       </p:sp>
     </p:spTree>
+    <p:extLst>
+      <p:ext uri="{BB962C8B-B14F-4D97-AF65-F5344CB8AC3E}">
+        <p14:creationId xmlns:p14="http://schemas.microsoft.com/office/powerpoint/2010/main" val="3786457518"/>
+      </p:ext>
+    </p:extLst>
   </p:cSld>
   <p:clrMapOvr>
     <a:masterClrMapping/>
@@ -1413,8 +1459,8 @@
           </a:lstStyle>
           <a:p>
             <a:r>
-              <a:rPr lang="zh-TW" altLang="en-US" smtClean="0"/>
-              <a:t>按一下以編輯母片標題樣式</a:t>
+              <a:rPr lang="en-US" altLang="zh-TW" smtClean="0"/>
+              <a:t>Click to edit Master title style</a:t>
             </a:r>
             <a:endParaRPr lang="zh-TW" altLang="en-US"/>
           </a:p>
@@ -1432,8 +1478,8 @@
         </p:nvSpPr>
         <p:spPr>
           <a:xfrm>
-            <a:off x="457200" y="1535113"/>
-            <a:ext cx="4040188" cy="639762"/>
+            <a:off x="609600" y="1535113"/>
+            <a:ext cx="5386917" cy="639762"/>
           </a:xfrm>
         </p:spPr>
         <p:txBody>
@@ -1479,8 +1525,8 @@
           <a:p>
             <a:pPr lvl="0"/>
             <a:r>
-              <a:rPr lang="zh-TW" altLang="en-US" smtClean="0"/>
-              <a:t>按一下以編輯母片文字樣式</a:t>
+              <a:rPr lang="en-US" altLang="zh-TW" smtClean="0"/>
+              <a:t>Edit Master text styles</a:t>
             </a:r>
           </a:p>
         </p:txBody>
@@ -1497,8 +1543,8 @@
         </p:nvSpPr>
         <p:spPr>
           <a:xfrm>
-            <a:off x="457200" y="2174875"/>
-            <a:ext cx="4040188" cy="3951288"/>
+            <a:off x="609600" y="2174875"/>
+            <a:ext cx="5386917" cy="3951288"/>
           </a:xfrm>
         </p:spPr>
         <p:txBody>
@@ -1535,36 +1581,36 @@
           <a:p>
             <a:pPr lvl="0"/>
             <a:r>
-              <a:rPr lang="zh-TW" altLang="en-US" smtClean="0"/>
-              <a:t>按一下以編輯母片文字樣式</a:t>
+              <a:rPr lang="en-US" altLang="zh-TW" smtClean="0"/>
+              <a:t>Edit Master text styles</a:t>
             </a:r>
           </a:p>
           <a:p>
             <a:pPr lvl="1"/>
             <a:r>
-              <a:rPr lang="zh-TW" altLang="en-US" smtClean="0"/>
-              <a:t>第二層</a:t>
+              <a:rPr lang="en-US" altLang="zh-TW" smtClean="0"/>
+              <a:t>Second level</a:t>
             </a:r>
           </a:p>
           <a:p>
             <a:pPr lvl="2"/>
             <a:r>
-              <a:rPr lang="zh-TW" altLang="en-US" smtClean="0"/>
-              <a:t>第三層</a:t>
+              <a:rPr lang="en-US" altLang="zh-TW" smtClean="0"/>
+              <a:t>Third level</a:t>
             </a:r>
           </a:p>
           <a:p>
             <a:pPr lvl="3"/>
             <a:r>
-              <a:rPr lang="zh-TW" altLang="en-US" smtClean="0"/>
-              <a:t>第四層</a:t>
+              <a:rPr lang="en-US" altLang="zh-TW" smtClean="0"/>
+              <a:t>Fourth level</a:t>
             </a:r>
           </a:p>
           <a:p>
             <a:pPr lvl="4"/>
             <a:r>
-              <a:rPr lang="zh-TW" altLang="en-US" smtClean="0"/>
-              <a:t>第五層</a:t>
+              <a:rPr lang="en-US" altLang="zh-TW" smtClean="0"/>
+              <a:t>Fifth level</a:t>
             </a:r>
             <a:endParaRPr lang="zh-TW" altLang="en-US"/>
           </a:p>
@@ -1582,8 +1628,8 @@
         </p:nvSpPr>
         <p:spPr>
           <a:xfrm>
-            <a:off x="4645025" y="1535113"/>
-            <a:ext cx="4041775" cy="639762"/>
+            <a:off x="6193368" y="1535113"/>
+            <a:ext cx="5389033" cy="639762"/>
           </a:xfrm>
         </p:spPr>
         <p:txBody>
@@ -1629,8 +1675,8 @@
           <a:p>
             <a:pPr lvl="0"/>
             <a:r>
-              <a:rPr lang="zh-TW" altLang="en-US" smtClean="0"/>
-              <a:t>按一下以編輯母片文字樣式</a:t>
+              <a:rPr lang="en-US" altLang="zh-TW" smtClean="0"/>
+              <a:t>Edit Master text styles</a:t>
             </a:r>
           </a:p>
         </p:txBody>
@@ -1647,8 +1693,8 @@
         </p:nvSpPr>
         <p:spPr>
           <a:xfrm>
-            <a:off x="4645025" y="2174875"/>
-            <a:ext cx="4041775" cy="3951288"/>
+            <a:off x="6193368" y="2174875"/>
+            <a:ext cx="5389033" cy="3951288"/>
           </a:xfrm>
         </p:spPr>
         <p:txBody>
@@ -1685,36 +1731,36 @@
           <a:p>
             <a:pPr lvl="0"/>
             <a:r>
-              <a:rPr lang="zh-TW" altLang="en-US" smtClean="0"/>
-              <a:t>按一下以編輯母片文字樣式</a:t>
+              <a:rPr lang="en-US" altLang="zh-TW" smtClean="0"/>
+              <a:t>Edit Master text styles</a:t>
             </a:r>
           </a:p>
           <a:p>
             <a:pPr lvl="1"/>
             <a:r>
-              <a:rPr lang="zh-TW" altLang="en-US" smtClean="0"/>
-              <a:t>第二層</a:t>
+              <a:rPr lang="en-US" altLang="zh-TW" smtClean="0"/>
+              <a:t>Second level</a:t>
             </a:r>
           </a:p>
           <a:p>
             <a:pPr lvl="2"/>
             <a:r>
-              <a:rPr lang="zh-TW" altLang="en-US" smtClean="0"/>
-              <a:t>第三層</a:t>
+              <a:rPr lang="en-US" altLang="zh-TW" smtClean="0"/>
+              <a:t>Third level</a:t>
             </a:r>
           </a:p>
           <a:p>
             <a:pPr lvl="3"/>
             <a:r>
-              <a:rPr lang="zh-TW" altLang="en-US" smtClean="0"/>
-              <a:t>第四層</a:t>
+              <a:rPr lang="en-US" altLang="zh-TW" smtClean="0"/>
+              <a:t>Fourth level</a:t>
             </a:r>
           </a:p>
           <a:p>
             <a:pPr lvl="4"/>
             <a:r>
-              <a:rPr lang="zh-TW" altLang="en-US" smtClean="0"/>
-              <a:t>第五層</a:t>
+              <a:rPr lang="en-US" altLang="zh-TW" smtClean="0"/>
+              <a:t>Fifth level</a:t>
             </a:r>
             <a:endParaRPr lang="zh-TW" altLang="en-US"/>
           </a:p>
@@ -1737,7 +1783,7 @@
           <a:p>
             <a:fld id="{58A801DE-A84B-4B0E-9952-CA2C35DE68C4}" type="datetimeFigureOut">
               <a:rPr lang="zh-TW" altLang="en-US" smtClean="0"/>
-              <a:t>2017/11/28</a:t>
+              <a:t>2019/12/14</a:t>
             </a:fld>
             <a:endParaRPr lang="zh-TW" altLang="en-US"/>
           </a:p>
@@ -1786,6 +1832,11 @@
         </p:txBody>
       </p:sp>
     </p:spTree>
+    <p:extLst>
+      <p:ext uri="{BB962C8B-B14F-4D97-AF65-F5344CB8AC3E}">
+        <p14:creationId xmlns:p14="http://schemas.microsoft.com/office/powerpoint/2010/main" val="4186459988"/>
+      </p:ext>
+    </p:extLst>
   </p:cSld>
   <p:clrMapOvr>
     <a:masterClrMapping/>
@@ -1826,8 +1877,8 @@
           <a:lstStyle/>
           <a:p>
             <a:r>
-              <a:rPr lang="zh-TW" altLang="en-US" smtClean="0"/>
-              <a:t>按一下以編輯母片標題樣式</a:t>
+              <a:rPr lang="en-US" altLang="zh-TW" smtClean="0"/>
+              <a:t>Click to edit Master title style</a:t>
             </a:r>
             <a:endParaRPr lang="zh-TW" altLang="en-US"/>
           </a:p>
@@ -1850,7 +1901,7 @@
           <a:p>
             <a:fld id="{58A801DE-A84B-4B0E-9952-CA2C35DE68C4}" type="datetimeFigureOut">
               <a:rPr lang="zh-TW" altLang="en-US" smtClean="0"/>
-              <a:t>2017/11/28</a:t>
+              <a:t>2019/12/14</a:t>
             </a:fld>
             <a:endParaRPr lang="zh-TW" altLang="en-US"/>
           </a:p>
@@ -1899,6 +1950,11 @@
         </p:txBody>
       </p:sp>
     </p:spTree>
+    <p:extLst>
+      <p:ext uri="{BB962C8B-B14F-4D97-AF65-F5344CB8AC3E}">
+        <p14:creationId xmlns:p14="http://schemas.microsoft.com/office/powerpoint/2010/main" val="717631417"/>
+      </p:ext>
+    </p:extLst>
   </p:cSld>
   <p:clrMapOvr>
     <a:masterClrMapping/>
@@ -1940,7 +1996,7 @@
           <a:p>
             <a:fld id="{58A801DE-A84B-4B0E-9952-CA2C35DE68C4}" type="datetimeFigureOut">
               <a:rPr lang="zh-TW" altLang="en-US" smtClean="0"/>
-              <a:t>2017/11/28</a:t>
+              <a:t>2019/12/14</a:t>
             </a:fld>
             <a:endParaRPr lang="zh-TW" altLang="en-US"/>
           </a:p>
@@ -1989,6 +2045,11 @@
         </p:txBody>
       </p:sp>
     </p:spTree>
+    <p:extLst>
+      <p:ext uri="{BB962C8B-B14F-4D97-AF65-F5344CB8AC3E}">
+        <p14:creationId xmlns:p14="http://schemas.microsoft.com/office/powerpoint/2010/main" val="3880836769"/>
+      </p:ext>
+    </p:extLst>
   </p:cSld>
   <p:clrMapOvr>
     <a:masterClrMapping/>
@@ -2025,8 +2086,8 @@
         </p:nvSpPr>
         <p:spPr>
           <a:xfrm>
-            <a:off x="457200" y="273050"/>
-            <a:ext cx="3008313" cy="1162050"/>
+            <a:off x="609601" y="273050"/>
+            <a:ext cx="4011084" cy="1162050"/>
           </a:xfrm>
         </p:spPr>
         <p:txBody>
@@ -2038,8 +2099,8 @@
           </a:lstStyle>
           <a:p>
             <a:r>
-              <a:rPr lang="zh-TW" altLang="en-US" smtClean="0"/>
-              <a:t>按一下以編輯母片標題樣式</a:t>
+              <a:rPr lang="en-US" altLang="zh-TW" smtClean="0"/>
+              <a:t>Click to edit Master title style</a:t>
             </a:r>
             <a:endParaRPr lang="zh-TW" altLang="en-US"/>
           </a:p>
@@ -2057,8 +2118,8 @@
         </p:nvSpPr>
         <p:spPr>
           <a:xfrm>
-            <a:off x="3575050" y="273050"/>
-            <a:ext cx="5111750" cy="5853113"/>
+            <a:off x="4766733" y="273051"/>
+            <a:ext cx="6815667" cy="5853113"/>
           </a:xfrm>
         </p:spPr>
         <p:txBody>
@@ -2095,36 +2156,36 @@
           <a:p>
             <a:pPr lvl="0"/>
             <a:r>
-              <a:rPr lang="zh-TW" altLang="en-US" smtClean="0"/>
-              <a:t>按一下以編輯母片文字樣式</a:t>
+              <a:rPr lang="en-US" altLang="zh-TW" smtClean="0"/>
+              <a:t>Edit Master text styles</a:t>
             </a:r>
           </a:p>
           <a:p>
             <a:pPr lvl="1"/>
             <a:r>
-              <a:rPr lang="zh-TW" altLang="en-US" smtClean="0"/>
-              <a:t>第二層</a:t>
+              <a:rPr lang="en-US" altLang="zh-TW" smtClean="0"/>
+              <a:t>Second level</a:t>
             </a:r>
           </a:p>
           <a:p>
             <a:pPr lvl="2"/>
             <a:r>
-              <a:rPr lang="zh-TW" altLang="en-US" smtClean="0"/>
-              <a:t>第三層</a:t>
+              <a:rPr lang="en-US" altLang="zh-TW" smtClean="0"/>
+              <a:t>Third level</a:t>
             </a:r>
           </a:p>
           <a:p>
             <a:pPr lvl="3"/>
             <a:r>
-              <a:rPr lang="zh-TW" altLang="en-US" smtClean="0"/>
-              <a:t>第四層</a:t>
+              <a:rPr lang="en-US" altLang="zh-TW" smtClean="0"/>
+              <a:t>Fourth level</a:t>
             </a:r>
           </a:p>
           <a:p>
             <a:pPr lvl="4"/>
             <a:r>
-              <a:rPr lang="zh-TW" altLang="en-US" smtClean="0"/>
-              <a:t>第五層</a:t>
+              <a:rPr lang="en-US" altLang="zh-TW" smtClean="0"/>
+              <a:t>Fifth level</a:t>
             </a:r>
             <a:endParaRPr lang="zh-TW" altLang="en-US"/>
           </a:p>
@@ -2142,8 +2203,8 @@
         </p:nvSpPr>
         <p:spPr>
           <a:xfrm>
-            <a:off x="457200" y="1435100"/>
-            <a:ext cx="3008313" cy="4691063"/>
+            <a:off x="609601" y="1435101"/>
+            <a:ext cx="4011084" cy="4691063"/>
           </a:xfrm>
         </p:spPr>
         <p:txBody>
@@ -2189,8 +2250,8 @@
           <a:p>
             <a:pPr lvl="0"/>
             <a:r>
-              <a:rPr lang="zh-TW" altLang="en-US" smtClean="0"/>
-              <a:t>按一下以編輯母片文字樣式</a:t>
+              <a:rPr lang="en-US" altLang="zh-TW" smtClean="0"/>
+              <a:t>Edit Master text styles</a:t>
             </a:r>
           </a:p>
         </p:txBody>
@@ -2212,7 +2273,7 @@
           <a:p>
             <a:fld id="{58A801DE-A84B-4B0E-9952-CA2C35DE68C4}" type="datetimeFigureOut">
               <a:rPr lang="zh-TW" altLang="en-US" smtClean="0"/>
-              <a:t>2017/11/28</a:t>
+              <a:t>2019/12/14</a:t>
             </a:fld>
             <a:endParaRPr lang="zh-TW" altLang="en-US"/>
           </a:p>
@@ -2261,6 +2322,11 @@
         </p:txBody>
       </p:sp>
     </p:spTree>
+    <p:extLst>
+      <p:ext uri="{BB962C8B-B14F-4D97-AF65-F5344CB8AC3E}">
+        <p14:creationId xmlns:p14="http://schemas.microsoft.com/office/powerpoint/2010/main" val="146375052"/>
+      </p:ext>
+    </p:extLst>
   </p:cSld>
   <p:clrMapOvr>
     <a:masterClrMapping/>
@@ -2297,8 +2363,8 @@
         </p:nvSpPr>
         <p:spPr>
           <a:xfrm>
-            <a:off x="1792288" y="4800600"/>
-            <a:ext cx="5486400" cy="566738"/>
+            <a:off x="2389717" y="4800600"/>
+            <a:ext cx="7315200" cy="566738"/>
           </a:xfrm>
         </p:spPr>
         <p:txBody>
@@ -2310,8 +2376,8 @@
           </a:lstStyle>
           <a:p>
             <a:r>
-              <a:rPr lang="zh-TW" altLang="en-US" smtClean="0"/>
-              <a:t>按一下以編輯母片標題樣式</a:t>
+              <a:rPr lang="en-US" altLang="zh-TW" smtClean="0"/>
+              <a:t>Click to edit Master title style</a:t>
             </a:r>
             <a:endParaRPr lang="zh-TW" altLang="en-US"/>
           </a:p>
@@ -2329,8 +2395,8 @@
         </p:nvSpPr>
         <p:spPr>
           <a:xfrm>
-            <a:off x="1792288" y="612775"/>
-            <a:ext cx="5486400" cy="4114800"/>
+            <a:off x="2389717" y="612775"/>
+            <a:ext cx="7315200" cy="4114800"/>
           </a:xfrm>
         </p:spPr>
         <p:txBody>
@@ -2374,6 +2440,10 @@
             </a:lvl9pPr>
           </a:lstStyle>
           <a:p>
+            <a:r>
+              <a:rPr lang="en-US" altLang="zh-TW" smtClean="0"/>
+              <a:t>Click icon to add picture</a:t>
+            </a:r>
             <a:endParaRPr lang="zh-TW" altLang="en-US"/>
           </a:p>
         </p:txBody>
@@ -2390,8 +2460,8 @@
         </p:nvSpPr>
         <p:spPr>
           <a:xfrm>
-            <a:off x="1792288" y="5367338"/>
-            <a:ext cx="5486400" cy="804862"/>
+            <a:off x="2389717" y="5367338"/>
+            <a:ext cx="7315200" cy="804862"/>
           </a:xfrm>
         </p:spPr>
         <p:txBody>
@@ -2437,8 +2507,8 @@
           <a:p>
             <a:pPr lvl="0"/>
             <a:r>
-              <a:rPr lang="zh-TW" altLang="en-US" smtClean="0"/>
-              <a:t>按一下以編輯母片文字樣式</a:t>
+              <a:rPr lang="en-US" altLang="zh-TW" smtClean="0"/>
+              <a:t>Edit Master text styles</a:t>
             </a:r>
           </a:p>
         </p:txBody>
@@ -2460,7 +2530,7 @@
           <a:p>
             <a:fld id="{58A801DE-A84B-4B0E-9952-CA2C35DE68C4}" type="datetimeFigureOut">
               <a:rPr lang="zh-TW" altLang="en-US" smtClean="0"/>
-              <a:t>2017/11/28</a:t>
+              <a:t>2019/12/14</a:t>
             </a:fld>
             <a:endParaRPr lang="zh-TW" altLang="en-US"/>
           </a:p>
@@ -2509,6 +2579,11 @@
         </p:txBody>
       </p:sp>
     </p:spTree>
+    <p:extLst>
+      <p:ext uri="{BB962C8B-B14F-4D97-AF65-F5344CB8AC3E}">
+        <p14:creationId xmlns:p14="http://schemas.microsoft.com/office/powerpoint/2010/main" val="1645048129"/>
+      </p:ext>
+    </p:extLst>
   </p:cSld>
   <p:clrMapOvr>
     <a:masterClrMapping/>
@@ -2520,9 +2595,14 @@
 <p:sldMaster xmlns:a="http://schemas.openxmlformats.org/drawingml/2006/main" xmlns:r="http://schemas.openxmlformats.org/officeDocument/2006/relationships" xmlns:p="http://schemas.openxmlformats.org/presentationml/2006/main">
   <p:cSld>
     <p:bg>
-      <p:bgRef idx="1001">
-        <a:schemeClr val="bg1"/>
-      </p:bgRef>
+      <p:bgPr>
+        <a:blipFill dpi="0" rotWithShape="1">
+          <a:blip r:embed="rId13"/>
+          <a:srcRect/>
+          <a:tile tx="0" ty="0" sx="100000" sy="100000" flip="none" algn="tl"/>
+        </a:blipFill>
+        <a:effectLst/>
+      </p:bgPr>
     </p:bg>
     <p:spTree>
       <p:nvGrpSpPr>
@@ -2550,8 +2630,8 @@
         </p:nvSpPr>
         <p:spPr>
           <a:xfrm>
-            <a:off x="457200" y="274638"/>
-            <a:ext cx="8229600" cy="1143000"/>
+            <a:off x="609600" y="274638"/>
+            <a:ext cx="10972800" cy="1143000"/>
           </a:xfrm>
           <a:prstGeom prst="rect">
             <a:avLst/>
@@ -2583,8 +2663,8 @@
         </p:nvSpPr>
         <p:spPr>
           <a:xfrm>
-            <a:off x="457200" y="1600200"/>
-            <a:ext cx="8229600" cy="4525963"/>
+            <a:off x="609600" y="1600201"/>
+            <a:ext cx="10972800" cy="4525963"/>
           </a:xfrm>
           <a:prstGeom prst="rect">
             <a:avLst/>
@@ -2645,8 +2725,8 @@
         </p:nvSpPr>
         <p:spPr>
           <a:xfrm>
-            <a:off x="457200" y="6356350"/>
-            <a:ext cx="2133600" cy="365125"/>
+            <a:off x="609600" y="6356351"/>
+            <a:ext cx="2844800" cy="365125"/>
           </a:xfrm>
           <a:prstGeom prst="rect">
             <a:avLst/>
@@ -2668,7 +2748,7 @@
           <a:p>
             <a:fld id="{58A801DE-A84B-4B0E-9952-CA2C35DE68C4}" type="datetimeFigureOut">
               <a:rPr lang="zh-TW" altLang="en-US" smtClean="0"/>
-              <a:t>2017/11/28</a:t>
+              <a:t>2019/12/14</a:t>
             </a:fld>
             <a:endParaRPr lang="zh-TW" altLang="en-US"/>
           </a:p>
@@ -2686,8 +2766,8 @@
         </p:nvSpPr>
         <p:spPr>
           <a:xfrm>
-            <a:off x="3124200" y="6356350"/>
-            <a:ext cx="2895600" cy="365125"/>
+            <a:off x="4165600" y="6356351"/>
+            <a:ext cx="3860800" cy="365125"/>
           </a:xfrm>
           <a:prstGeom prst="rect">
             <a:avLst/>
@@ -2723,8 +2803,8 @@
         </p:nvSpPr>
         <p:spPr>
           <a:xfrm>
-            <a:off x="6553200" y="6356350"/>
-            <a:ext cx="2133600" cy="365125"/>
+            <a:off x="8737600" y="6356351"/>
+            <a:ext cx="2844800" cy="365125"/>
           </a:xfrm>
           <a:prstGeom prst="rect">
             <a:avLst/>
@@ -2753,20 +2833,25 @@
         </p:txBody>
       </p:sp>
     </p:spTree>
+    <p:extLst>
+      <p:ext uri="{BB962C8B-B14F-4D97-AF65-F5344CB8AC3E}">
+        <p14:creationId xmlns:p14="http://schemas.microsoft.com/office/powerpoint/2010/main" val="3028218884"/>
+      </p:ext>
+    </p:extLst>
   </p:cSld>
   <p:clrMap bg1="lt1" tx1="dk1" bg2="lt2" tx2="dk2" accent1="accent1" accent2="accent2" accent3="accent3" accent4="accent4" accent5="accent5" accent6="accent6" hlink="hlink" folHlink="folHlink"/>
   <p:sldLayoutIdLst>
-    <p:sldLayoutId id="2147483649" r:id="rId1"/>
-    <p:sldLayoutId id="2147483650" r:id="rId2"/>
-    <p:sldLayoutId id="2147483651" r:id="rId3"/>
-    <p:sldLayoutId id="2147483652" r:id="rId4"/>
-    <p:sldLayoutId id="2147483653" r:id="rId5"/>
-    <p:sldLayoutId id="2147483654" r:id="rId6"/>
-    <p:sldLayoutId id="2147483655" r:id="rId7"/>
-    <p:sldLayoutId id="2147483656" r:id="rId8"/>
-    <p:sldLayoutId id="2147483657" r:id="rId9"/>
-    <p:sldLayoutId id="2147483658" r:id="rId10"/>
-    <p:sldLayoutId id="2147483659" r:id="rId11"/>
+    <p:sldLayoutId id="2147483661" r:id="rId1"/>
+    <p:sldLayoutId id="2147483662" r:id="rId2"/>
+    <p:sldLayoutId id="2147483663" r:id="rId3"/>
+    <p:sldLayoutId id="2147483664" r:id="rId4"/>
+    <p:sldLayoutId id="2147483665" r:id="rId5"/>
+    <p:sldLayoutId id="2147483666" r:id="rId6"/>
+    <p:sldLayoutId id="2147483667" r:id="rId7"/>
+    <p:sldLayoutId id="2147483668" r:id="rId8"/>
+    <p:sldLayoutId id="2147483669" r:id="rId9"/>
+    <p:sldLayoutId id="2147483670" r:id="rId10"/>
+    <p:sldLayoutId id="2147483671" r:id="rId11"/>
   </p:sldLayoutIdLst>
   <p:txStyles>
     <p:titleStyle>
@@ -3091,13 +3176,13 @@
               <a:t>我要一心稱謝</a:t>
             </a:r>
             <a:r>
-              <a:rPr lang="zh-TW" altLang="en-US" sz="5400" b="1" dirty="0" smtClean="0">
+              <a:rPr lang="zh-TW" altLang="en-US" sz="5400" b="1" dirty="0">
                 <a:latin typeface="微軟正黑體" pitchFamily="34" charset="-120"/>
                 <a:ea typeface="微軟正黑體" pitchFamily="34" charset="-120"/>
               </a:rPr>
               <a:t>你</a:t>
             </a:r>
-            <a:endParaRPr lang="en-US" altLang="zh-TW" sz="5400" b="1" dirty="0" smtClean="0">
+            <a:endParaRPr lang="en-US" altLang="zh-TW" sz="5400" b="1" dirty="0">
               <a:latin typeface="微軟正黑體" pitchFamily="34" charset="-120"/>
               <a:ea typeface="微軟正黑體" pitchFamily="34" charset="-120"/>
             </a:endParaRPr>
@@ -3107,7 +3192,7 @@
               <a:buNone/>
             </a:pPr>
             <a:r>
-              <a:rPr lang="zh-TW" altLang="en-US" sz="5400" b="1" dirty="0" smtClean="0">
+              <a:rPr lang="zh-TW" altLang="en-US" sz="5400" b="1" dirty="0">
                 <a:latin typeface="微軟正黑體" pitchFamily="34" charset="-120"/>
                 <a:ea typeface="微軟正黑體" pitchFamily="34" charset="-120"/>
               </a:rPr>
@@ -3121,7 +3206,7 @@
               <a:t>諸神面前歌頌</a:t>
             </a:r>
             <a:r>
-              <a:rPr lang="zh-TW" altLang="en-US" sz="5400" b="1" dirty="0" smtClean="0">
+              <a:rPr lang="zh-TW" altLang="en-US" sz="5400" b="1" dirty="0">
                 <a:latin typeface="微軟正黑體" pitchFamily="34" charset="-120"/>
                 <a:ea typeface="微軟正黑體" pitchFamily="34" charset="-120"/>
               </a:rPr>
@@ -3137,7 +3222,7 @@
               <a:buNone/>
             </a:pPr>
             <a:r>
-              <a:rPr lang="zh-TW" altLang="en-US" sz="5400" b="1" dirty="0" smtClean="0">
+              <a:rPr lang="zh-TW" altLang="en-US" sz="5400" b="1" dirty="0">
                 <a:latin typeface="微軟正黑體" pitchFamily="34" charset="-120"/>
                 <a:ea typeface="微軟正黑體" pitchFamily="34" charset="-120"/>
               </a:rPr>
@@ -3151,13 +3236,13 @@
               <a:t>要向你的聖殿下</a:t>
             </a:r>
             <a:r>
-              <a:rPr lang="zh-TW" altLang="en-US" sz="5400" b="1" dirty="0" smtClean="0">
+              <a:rPr lang="zh-TW" altLang="en-US" sz="5400" b="1" dirty="0">
                 <a:latin typeface="微軟正黑體" pitchFamily="34" charset="-120"/>
                 <a:ea typeface="微軟正黑體" pitchFamily="34" charset="-120"/>
               </a:rPr>
               <a:t>拜</a:t>
             </a:r>
-            <a:endParaRPr lang="en-US" altLang="zh-TW" sz="5400" b="1" dirty="0" smtClean="0">
+            <a:endParaRPr lang="en-US" altLang="zh-TW" sz="5400" b="1" dirty="0">
               <a:latin typeface="微軟正黑體" pitchFamily="34" charset="-120"/>
               <a:ea typeface="微軟正黑體" pitchFamily="34" charset="-120"/>
             </a:endParaRPr>
@@ -3167,7 +3252,7 @@
               <a:buNone/>
             </a:pPr>
             <a:r>
-              <a:rPr lang="zh-TW" altLang="en-US" sz="5400" b="1" dirty="0" smtClean="0">
+              <a:rPr lang="zh-TW" altLang="en-US" sz="5400" b="1" dirty="0">
                 <a:latin typeface="微軟正黑體" pitchFamily="34" charset="-120"/>
                 <a:ea typeface="微軟正黑體" pitchFamily="34" charset="-120"/>
               </a:rPr>
@@ -3181,7 +3266,7 @@
               <a:t>你慈愛和誠實稱讚你</a:t>
             </a:r>
             <a:r>
-              <a:rPr lang="zh-TW" altLang="en-US" sz="5400" b="1" dirty="0" smtClean="0">
+              <a:rPr lang="zh-TW" altLang="en-US" sz="5400" b="1" dirty="0">
                 <a:latin typeface="微軟正黑體" pitchFamily="34" charset="-120"/>
                 <a:ea typeface="微軟正黑體" pitchFamily="34" charset="-120"/>
               </a:rPr>
@@ -3572,7 +3657,7 @@
 </file>
 
 <file path=ppt/theme/theme1.xml><?xml version="1.0" encoding="utf-8"?>
-<a:theme xmlns:a="http://schemas.openxmlformats.org/drawingml/2006/main" name="Office 佈景主題">
+<a:theme xmlns:a="http://schemas.openxmlformats.org/drawingml/2006/main" name="Church Theme">
   <a:themeElements>
     <a:clrScheme name="Office">
       <a:dk1>

--- a/我要一心稱謝你.pptx
+++ b/我要一心稱謝你.pptx
@@ -307,7 +307,7 @@
           <a:p>
             <a:fld id="{58A801DE-A84B-4B0E-9952-CA2C35DE68C4}" type="datetimeFigureOut">
               <a:rPr lang="zh-TW" altLang="en-US" smtClean="0"/>
-              <a:t>2019/12/14</a:t>
+              <a:t>2020/2/1</a:t>
             </a:fld>
             <a:endParaRPr lang="zh-TW" altLang="en-US"/>
           </a:p>
@@ -477,7 +477,7 @@
           <a:p>
             <a:fld id="{58A801DE-A84B-4B0E-9952-CA2C35DE68C4}" type="datetimeFigureOut">
               <a:rPr lang="zh-TW" altLang="en-US" smtClean="0"/>
-              <a:t>2019/12/14</a:t>
+              <a:t>2020/2/1</a:t>
             </a:fld>
             <a:endParaRPr lang="zh-TW" altLang="en-US"/>
           </a:p>
@@ -657,7 +657,7 @@
           <a:p>
             <a:fld id="{58A801DE-A84B-4B0E-9952-CA2C35DE68C4}" type="datetimeFigureOut">
               <a:rPr lang="zh-TW" altLang="en-US" smtClean="0"/>
-              <a:t>2019/12/14</a:t>
+              <a:t>2020/2/1</a:t>
             </a:fld>
             <a:endParaRPr lang="zh-TW" altLang="en-US"/>
           </a:p>
@@ -827,7 +827,7 @@
           <a:p>
             <a:fld id="{58A801DE-A84B-4B0E-9952-CA2C35DE68C4}" type="datetimeFigureOut">
               <a:rPr lang="zh-TW" altLang="en-US" smtClean="0"/>
-              <a:t>2019/12/14</a:t>
+              <a:t>2020/2/1</a:t>
             </a:fld>
             <a:endParaRPr lang="zh-TW" altLang="en-US"/>
           </a:p>
@@ -1073,7 +1073,7 @@
           <a:p>
             <a:fld id="{58A801DE-A84B-4B0E-9952-CA2C35DE68C4}" type="datetimeFigureOut">
               <a:rPr lang="zh-TW" altLang="en-US" smtClean="0"/>
-              <a:t>2019/12/14</a:t>
+              <a:t>2020/2/1</a:t>
             </a:fld>
             <a:endParaRPr lang="zh-TW" altLang="en-US"/>
           </a:p>
@@ -1361,7 +1361,7 @@
           <a:p>
             <a:fld id="{58A801DE-A84B-4B0E-9952-CA2C35DE68C4}" type="datetimeFigureOut">
               <a:rPr lang="zh-TW" altLang="en-US" smtClean="0"/>
-              <a:t>2019/12/14</a:t>
+              <a:t>2020/2/1</a:t>
             </a:fld>
             <a:endParaRPr lang="zh-TW" altLang="en-US"/>
           </a:p>
@@ -1783,7 +1783,7 @@
           <a:p>
             <a:fld id="{58A801DE-A84B-4B0E-9952-CA2C35DE68C4}" type="datetimeFigureOut">
               <a:rPr lang="zh-TW" altLang="en-US" smtClean="0"/>
-              <a:t>2019/12/14</a:t>
+              <a:t>2020/2/1</a:t>
             </a:fld>
             <a:endParaRPr lang="zh-TW" altLang="en-US"/>
           </a:p>
@@ -1901,7 +1901,7 @@
           <a:p>
             <a:fld id="{58A801DE-A84B-4B0E-9952-CA2C35DE68C4}" type="datetimeFigureOut">
               <a:rPr lang="zh-TW" altLang="en-US" smtClean="0"/>
-              <a:t>2019/12/14</a:t>
+              <a:t>2020/2/1</a:t>
             </a:fld>
             <a:endParaRPr lang="zh-TW" altLang="en-US"/>
           </a:p>
@@ -1996,7 +1996,7 @@
           <a:p>
             <a:fld id="{58A801DE-A84B-4B0E-9952-CA2C35DE68C4}" type="datetimeFigureOut">
               <a:rPr lang="zh-TW" altLang="en-US" smtClean="0"/>
-              <a:t>2019/12/14</a:t>
+              <a:t>2020/2/1</a:t>
             </a:fld>
             <a:endParaRPr lang="zh-TW" altLang="en-US"/>
           </a:p>
@@ -2273,7 +2273,7 @@
           <a:p>
             <a:fld id="{58A801DE-A84B-4B0E-9952-CA2C35DE68C4}" type="datetimeFigureOut">
               <a:rPr lang="zh-TW" altLang="en-US" smtClean="0"/>
-              <a:t>2019/12/14</a:t>
+              <a:t>2020/2/1</a:t>
             </a:fld>
             <a:endParaRPr lang="zh-TW" altLang="en-US"/>
           </a:p>
@@ -2530,7 +2530,7 @@
           <a:p>
             <a:fld id="{58A801DE-A84B-4B0E-9952-CA2C35DE68C4}" type="datetimeFigureOut">
               <a:rPr lang="zh-TW" altLang="en-US" smtClean="0"/>
-              <a:t>2019/12/14</a:t>
+              <a:t>2020/2/1</a:t>
             </a:fld>
             <a:endParaRPr lang="zh-TW" altLang="en-US"/>
           </a:p>
@@ -2748,7 +2748,7 @@
           <a:p>
             <a:fld id="{58A801DE-A84B-4B0E-9952-CA2C35DE68C4}" type="datetimeFigureOut">
               <a:rPr lang="zh-TW" altLang="en-US" smtClean="0"/>
-              <a:t>2019/12/14</a:t>
+              <a:t>2020/2/1</a:t>
             </a:fld>
             <a:endParaRPr lang="zh-TW" altLang="en-US"/>
           </a:p>
@@ -3143,8 +3143,26 @@
                 <a:latin typeface="微軟正黑體" pitchFamily="34" charset="-120"/>
                 <a:ea typeface="微軟正黑體" pitchFamily="34" charset="-120"/>
               </a:rPr>
-              <a:t>我要一心稱謝你</a:t>
-            </a:r>
+              <a:t>我要一心稱</a:t>
+            </a:r>
+            <a:r>
+              <a:rPr lang="zh-TW" altLang="en-US" b="1" dirty="0" smtClean="0">
+                <a:latin typeface="微軟正黑體" pitchFamily="34" charset="-120"/>
+                <a:ea typeface="微軟正黑體" pitchFamily="34" charset="-120"/>
+              </a:rPr>
+              <a:t>謝</a:t>
+            </a:r>
+            <a:r>
+              <a:rPr lang="zh-CN" altLang="en-US" b="1" dirty="0" smtClean="0">
+                <a:latin typeface="微軟正黑體" pitchFamily="34" charset="-120"/>
+                <a:ea typeface="微軟正黑體" pitchFamily="34" charset="-120"/>
+              </a:rPr>
+              <a:t>袮</a:t>
+            </a:r>
+            <a:endParaRPr lang="zh-TW" altLang="en-US" b="1" dirty="0">
+              <a:latin typeface="微軟正黑體" pitchFamily="34" charset="-120"/>
+              <a:ea typeface="微軟正黑體" pitchFamily="34" charset="-120"/>
+            </a:endParaRPr>
           </a:p>
         </p:txBody>
       </p:sp>
@@ -3173,14 +3191,21 @@
                 <a:latin typeface="微軟正黑體" pitchFamily="34" charset="-120"/>
                 <a:ea typeface="微軟正黑體" pitchFamily="34" charset="-120"/>
               </a:rPr>
-              <a:t>我要一心稱謝</a:t>
-            </a:r>
-            <a:r>
-              <a:rPr lang="zh-TW" altLang="en-US" sz="5400" b="1" dirty="0">
-                <a:latin typeface="微軟正黑體" pitchFamily="34" charset="-120"/>
-                <a:ea typeface="微軟正黑體" pitchFamily="34" charset="-120"/>
-              </a:rPr>
-              <a:t>你</a:t>
+              <a:t>我要一心稱</a:t>
+            </a:r>
+            <a:r>
+              <a:rPr lang="zh-TW" altLang="en-US" sz="5400" b="1" dirty="0" smtClean="0">
+                <a:latin typeface="微軟正黑體" pitchFamily="34" charset="-120"/>
+                <a:ea typeface="微軟正黑體" pitchFamily="34" charset="-120"/>
+              </a:rPr>
+              <a:t>謝</a:t>
+            </a:r>
+            <a:r>
+              <a:rPr lang="zh-CN" altLang="en-US" sz="5400" b="1" dirty="0">
+                <a:latin typeface="微軟正黑體" pitchFamily="34" charset="-120"/>
+                <a:ea typeface="微軟正黑體" pitchFamily="34" charset="-120"/>
+              </a:rPr>
+              <a:t>袮</a:t>
             </a:r>
             <a:endParaRPr lang="en-US" altLang="zh-TW" sz="5400" b="1" dirty="0">
               <a:latin typeface="微軟正黑體" pitchFamily="34" charset="-120"/>
@@ -3196,21 +3221,21 @@
                 <a:latin typeface="微軟正黑體" pitchFamily="34" charset="-120"/>
                 <a:ea typeface="微軟正黑體" pitchFamily="34" charset="-120"/>
               </a:rPr>
-              <a:t>在</a:t>
-            </a:r>
-            <a:r>
-              <a:rPr lang="zh-TW" altLang="en-US" sz="5400" b="1" dirty="0">
-                <a:latin typeface="微軟正黑體" pitchFamily="34" charset="-120"/>
-                <a:ea typeface="微軟正黑體" pitchFamily="34" charset="-120"/>
-              </a:rPr>
-              <a:t>諸神面前歌頌</a:t>
-            </a:r>
-            <a:r>
-              <a:rPr lang="zh-TW" altLang="en-US" sz="5400" b="1" dirty="0">
-                <a:latin typeface="微軟正黑體" pitchFamily="34" charset="-120"/>
-                <a:ea typeface="微軟正黑體" pitchFamily="34" charset="-120"/>
-              </a:rPr>
-              <a:t>你</a:t>
+              <a:t>在諸神面前歌</a:t>
+            </a:r>
+            <a:r>
+              <a:rPr lang="zh-TW" altLang="en-US" sz="5400" b="1" dirty="0" smtClean="0">
+                <a:latin typeface="微軟正黑體" pitchFamily="34" charset="-120"/>
+                <a:ea typeface="微軟正黑體" pitchFamily="34" charset="-120"/>
+              </a:rPr>
+              <a:t>頌</a:t>
+            </a:r>
+            <a:r>
+              <a:rPr lang="zh-CN" altLang="en-US" sz="5400" b="1" dirty="0">
+                <a:latin typeface="微軟正黑體" pitchFamily="34" charset="-120"/>
+                <a:ea typeface="微軟正黑體" pitchFamily="34" charset="-120"/>
+              </a:rPr>
+              <a:t>袮</a:t>
             </a:r>
             <a:endParaRPr lang="en-US" altLang="zh-TW" sz="5400" b="1" dirty="0">
               <a:latin typeface="微軟正黑體" pitchFamily="34" charset="-120"/>
@@ -3226,21 +3251,35 @@
                 <a:latin typeface="微軟正黑體" pitchFamily="34" charset="-120"/>
                 <a:ea typeface="微軟正黑體" pitchFamily="34" charset="-120"/>
               </a:rPr>
-              <a:t>我</a:t>
+              <a:t>我要</a:t>
+            </a:r>
+            <a:r>
+              <a:rPr lang="zh-TW" altLang="en-US" sz="5400" b="1" dirty="0" smtClean="0">
+                <a:latin typeface="微軟正黑體" pitchFamily="34" charset="-120"/>
+                <a:ea typeface="微軟正黑體" pitchFamily="34" charset="-120"/>
+              </a:rPr>
+              <a:t>向</a:t>
+            </a:r>
+            <a:r>
+              <a:rPr lang="zh-CN" altLang="en-US" sz="5400" b="1" dirty="0">
+                <a:latin typeface="微軟正黑體" pitchFamily="34" charset="-120"/>
+                <a:ea typeface="微軟正黑體" pitchFamily="34" charset="-120"/>
+              </a:rPr>
+              <a:t>袮</a:t>
+            </a:r>
+            <a:r>
+              <a:rPr lang="zh-TW" altLang="en-US" sz="5400" b="1" dirty="0" smtClean="0">
+                <a:latin typeface="微軟正黑體" pitchFamily="34" charset="-120"/>
+                <a:ea typeface="微軟正黑體" pitchFamily="34" charset="-120"/>
+              </a:rPr>
+              <a:t>的</a:t>
             </a:r>
             <a:r>
               <a:rPr lang="zh-TW" altLang="en-US" sz="5400" b="1" dirty="0">
                 <a:latin typeface="微軟正黑體" pitchFamily="34" charset="-120"/>
                 <a:ea typeface="微軟正黑體" pitchFamily="34" charset="-120"/>
               </a:rPr>
-              <a:t>要向你的聖殿下</a:t>
-            </a:r>
-            <a:r>
-              <a:rPr lang="zh-TW" altLang="en-US" sz="5400" b="1" dirty="0">
-                <a:latin typeface="微軟正黑體" pitchFamily="34" charset="-120"/>
-                <a:ea typeface="微軟正黑體" pitchFamily="34" charset="-120"/>
-              </a:rPr>
-              <a:t>拜</a:t>
+              <a:t>聖殿下拜</a:t>
             </a:r>
             <a:endParaRPr lang="en-US" altLang="zh-TW" sz="5400" b="1" dirty="0">
               <a:latin typeface="微軟正黑體" pitchFamily="34" charset="-120"/>
@@ -3256,17 +3295,24 @@
                 <a:latin typeface="微軟正黑體" pitchFamily="34" charset="-120"/>
                 <a:ea typeface="微軟正黑體" pitchFamily="34" charset="-120"/>
               </a:rPr>
-              <a:t>為</a:t>
-            </a:r>
-            <a:r>
-              <a:rPr lang="zh-TW" altLang="en-US" sz="5400" b="1" dirty="0">
-                <a:latin typeface="微軟正黑體" pitchFamily="34" charset="-120"/>
-                <a:ea typeface="微軟正黑體" pitchFamily="34" charset="-120"/>
-              </a:rPr>
-              <a:t>你慈愛和誠實稱讚你</a:t>
-            </a:r>
-            <a:r>
-              <a:rPr lang="zh-TW" altLang="en-US" sz="5400" b="1" dirty="0">
+              <a:t>為你慈愛和誠實稱</a:t>
+            </a:r>
+            <a:r>
+              <a:rPr lang="zh-TW" altLang="en-US" sz="5400" b="1" dirty="0" smtClean="0">
+                <a:latin typeface="微軟正黑體" pitchFamily="34" charset="-120"/>
+                <a:ea typeface="微軟正黑體" pitchFamily="34" charset="-120"/>
+              </a:rPr>
+              <a:t>讚</a:t>
+            </a:r>
+            <a:r>
+              <a:rPr lang="zh-CN" altLang="en-US" sz="5400" b="1" dirty="0">
+                <a:latin typeface="微軟正黑體" pitchFamily="34" charset="-120"/>
+                <a:ea typeface="微軟正黑體" pitchFamily="34" charset="-120"/>
+              </a:rPr>
+              <a:t>袮</a:t>
+            </a:r>
+            <a:r>
+              <a:rPr lang="zh-TW" altLang="en-US" sz="5400" b="1" dirty="0" smtClean="0">
                 <a:latin typeface="微軟正黑體" pitchFamily="34" charset="-120"/>
                 <a:ea typeface="微軟正黑體" pitchFamily="34" charset="-120"/>
               </a:rPr>
@@ -3324,8 +3370,26 @@
                 <a:latin typeface="微軟正黑體" pitchFamily="34" charset="-120"/>
                 <a:ea typeface="微軟正黑體" pitchFamily="34" charset="-120"/>
               </a:rPr>
-              <a:t>我要一心稱謝你</a:t>
-            </a:r>
+              <a:t>我要一心稱</a:t>
+            </a:r>
+            <a:r>
+              <a:rPr lang="zh-TW" altLang="en-US" b="1" dirty="0" smtClean="0">
+                <a:latin typeface="微軟正黑體" pitchFamily="34" charset="-120"/>
+                <a:ea typeface="微軟正黑體" pitchFamily="34" charset="-120"/>
+              </a:rPr>
+              <a:t>謝</a:t>
+            </a:r>
+            <a:r>
+              <a:rPr lang="zh-CN" altLang="en-US" b="1" dirty="0">
+                <a:latin typeface="微軟正黑體" pitchFamily="34" charset="-120"/>
+                <a:ea typeface="微軟正黑體" pitchFamily="34" charset="-120"/>
+              </a:rPr>
+              <a:t>袮</a:t>
+            </a:r>
+            <a:endParaRPr lang="zh-TW" altLang="en-US" b="1" dirty="0">
+              <a:latin typeface="微軟正黑體" pitchFamily="34" charset="-120"/>
+              <a:ea typeface="微軟正黑體" pitchFamily="34" charset="-120"/>
+            </a:endParaRPr>
           </a:p>
         </p:txBody>
       </p:sp>
@@ -3368,12 +3432,35 @@
               <a:buNone/>
             </a:pPr>
             <a:r>
+              <a:rPr lang="zh-TW" altLang="en-US" sz="5400" b="1" dirty="0" smtClean="0">
+                <a:latin typeface="微軟正黑體" pitchFamily="34" charset="-120"/>
+                <a:ea typeface="微軟正黑體" pitchFamily="34" charset="-120"/>
+                <a:cs typeface="+mj-cs"/>
+              </a:rPr>
+              <a:t>因</a:t>
+            </a:r>
+            <a:r>
+              <a:rPr lang="zh-CN" altLang="en-US" sz="5400" b="1" dirty="0">
+                <a:latin typeface="微軟正黑體" pitchFamily="34" charset="-120"/>
+                <a:ea typeface="微軟正黑體" pitchFamily="34" charset="-120"/>
+              </a:rPr>
+              <a:t>袮</a:t>
+            </a:r>
+            <a:r>
+              <a:rPr lang="zh-TW" altLang="en-US" sz="5400" b="1" dirty="0" smtClean="0">
+                <a:latin typeface="微軟正黑體" pitchFamily="34" charset="-120"/>
+                <a:ea typeface="微軟正黑體" pitchFamily="34" charset="-120"/>
+                <a:cs typeface="+mj-cs"/>
+              </a:rPr>
+              <a:t>慈</a:t>
+            </a:r>
+            <a:r>
               <a:rPr lang="zh-TW" altLang="en-US" sz="5400" b="1" dirty="0">
                 <a:latin typeface="微軟正黑體" pitchFamily="34" charset="-120"/>
                 <a:ea typeface="微軟正黑體" pitchFamily="34" charset="-120"/>
                 <a:cs typeface="+mj-cs"/>
               </a:rPr>
-              <a:t>因你慈愛永遠長存</a:t>
+              <a:t>愛永遠長存</a:t>
             </a:r>
             <a:endParaRPr lang="en-US" altLang="zh-TW" sz="5400" b="1" dirty="0">
               <a:latin typeface="微軟正黑體" pitchFamily="34" charset="-120"/>
@@ -3404,12 +3491,27 @@
               <a:buNone/>
             </a:pPr>
             <a:r>
+              <a:rPr lang="zh-CN" altLang="en-US" sz="5400" b="1" dirty="0">
+                <a:latin typeface="微軟正黑體" pitchFamily="34" charset="-120"/>
+                <a:ea typeface="微軟正黑體" pitchFamily="34" charset="-120"/>
+              </a:rPr>
+              <a:t>袮</a:t>
+            </a:r>
+            <a:r>
+              <a:rPr lang="zh-TW" altLang="en-US" sz="5400" b="1" dirty="0" smtClean="0">
+                <a:latin typeface="微軟正黑體" pitchFamily="34" charset="-120"/>
+                <a:ea typeface="微軟正黑體" pitchFamily="34" charset="-120"/>
+                <a:cs typeface="+mj-cs"/>
+              </a:rPr>
+              <a:t>應</a:t>
+            </a:r>
+            <a:r>
               <a:rPr lang="zh-TW" altLang="en-US" sz="5400" b="1" dirty="0">
                 <a:latin typeface="微軟正黑體" pitchFamily="34" charset="-120"/>
                 <a:ea typeface="微軟正黑體" pitchFamily="34" charset="-120"/>
                 <a:cs typeface="+mj-cs"/>
               </a:rPr>
-              <a:t>你應許必將我救活</a:t>
+              <a:t>許必將我救活</a:t>
             </a:r>
           </a:p>
         </p:txBody>
@@ -3459,8 +3561,26 @@
                 <a:latin typeface="微軟正黑體" pitchFamily="34" charset="-120"/>
                 <a:ea typeface="微軟正黑體" pitchFamily="34" charset="-120"/>
               </a:rPr>
-              <a:t>我要一心稱謝你</a:t>
-            </a:r>
+              <a:t>我要一心稱</a:t>
+            </a:r>
+            <a:r>
+              <a:rPr lang="zh-TW" altLang="en-US" b="1" dirty="0" smtClean="0">
+                <a:latin typeface="微軟正黑體" pitchFamily="34" charset="-120"/>
+                <a:ea typeface="微軟正黑體" pitchFamily="34" charset="-120"/>
+              </a:rPr>
+              <a:t>謝</a:t>
+            </a:r>
+            <a:r>
+              <a:rPr lang="zh-CN" altLang="en-US" b="1" dirty="0">
+                <a:latin typeface="微軟正黑體" pitchFamily="34" charset="-120"/>
+                <a:ea typeface="微軟正黑體" pitchFamily="34" charset="-120"/>
+              </a:rPr>
+              <a:t>袮</a:t>
+            </a:r>
+            <a:endParaRPr lang="zh-TW" altLang="en-US" b="1" dirty="0">
+              <a:latin typeface="微軟正黑體" pitchFamily="34" charset="-120"/>
+              <a:ea typeface="微軟正黑體" pitchFamily="34" charset="-120"/>
+            </a:endParaRPr>
           </a:p>
         </p:txBody>
       </p:sp>
@@ -3503,12 +3623,35 @@
               <a:buNone/>
             </a:pPr>
             <a:r>
+              <a:rPr lang="zh-TW" altLang="en-US" sz="5400" b="1" dirty="0" smtClean="0">
+                <a:latin typeface="微軟正黑體" pitchFamily="34" charset="-120"/>
+                <a:ea typeface="微軟正黑體" pitchFamily="34" charset="-120"/>
+                <a:cs typeface="+mj-cs"/>
+              </a:rPr>
+              <a:t>因</a:t>
+            </a:r>
+            <a:r>
+              <a:rPr lang="zh-CN" altLang="en-US" sz="5400" b="1" dirty="0">
+                <a:latin typeface="微軟正黑體" pitchFamily="34" charset="-120"/>
+                <a:ea typeface="微軟正黑體" pitchFamily="34" charset="-120"/>
+              </a:rPr>
+              <a:t>袮</a:t>
+            </a:r>
+            <a:r>
+              <a:rPr lang="zh-TW" altLang="en-US" sz="5400" b="1" dirty="0" smtClean="0">
+                <a:latin typeface="微軟正黑體" pitchFamily="34" charset="-120"/>
+                <a:ea typeface="微軟正黑體" pitchFamily="34" charset="-120"/>
+                <a:cs typeface="+mj-cs"/>
+              </a:rPr>
+              <a:t>的</a:t>
+            </a:r>
+            <a:r>
               <a:rPr lang="zh-TW" altLang="en-US" sz="5400" b="1" dirty="0">
                 <a:latin typeface="微軟正黑體" pitchFamily="34" charset="-120"/>
                 <a:ea typeface="微軟正黑體" pitchFamily="34" charset="-120"/>
                 <a:cs typeface="+mj-cs"/>
               </a:rPr>
-              <a:t>因你的名大有榮耀</a:t>
+              <a:t>名大有榮耀</a:t>
             </a:r>
             <a:endParaRPr lang="en-US" altLang="zh-TW" sz="5400" b="1" dirty="0">
               <a:latin typeface="微軟正黑體" pitchFamily="34" charset="-120"/>
@@ -3526,7 +3669,38 @@
                 <a:ea typeface="微軟正黑體" pitchFamily="34" charset="-120"/>
                 <a:cs typeface="+mj-cs"/>
               </a:rPr>
-              <a:t>我呼求時你必應允我</a:t>
+              <a:t>我呼求</a:t>
+            </a:r>
+            <a:r>
+              <a:rPr lang="zh-TW" altLang="en-US" sz="5400" b="1" dirty="0" smtClean="0">
+                <a:latin typeface="微軟正黑體" pitchFamily="34" charset="-120"/>
+                <a:ea typeface="微軟正黑體" pitchFamily="34" charset="-120"/>
+                <a:cs typeface="+mj-cs"/>
+              </a:rPr>
+              <a:t>時</a:t>
+            </a:r>
+            <a:r>
+              <a:rPr lang="zh-CN" altLang="en-US" sz="5400" b="1" dirty="0">
+                <a:latin typeface="微軟正黑體" pitchFamily="34" charset="-120"/>
+                <a:ea typeface="微軟正黑體" pitchFamily="34" charset="-120"/>
+              </a:rPr>
+              <a:t>袮</a:t>
+            </a:r>
+            <a:r>
+              <a:rPr lang="zh-TW" altLang="en-US" sz="5400" b="1" dirty="0" smtClean="0">
+                <a:latin typeface="微軟正黑體" pitchFamily="34" charset="-120"/>
+                <a:ea typeface="微軟正黑體" pitchFamily="34" charset="-120"/>
+                <a:cs typeface="+mj-cs"/>
+              </a:rPr>
+              <a:t>必</a:t>
+            </a:r>
+            <a:r>
+              <a:rPr lang="zh-TW" altLang="en-US" sz="5400" b="1" dirty="0">
+                <a:latin typeface="微軟正黑體" pitchFamily="34" charset="-120"/>
+                <a:ea typeface="微軟正黑體" pitchFamily="34" charset="-120"/>
+                <a:cs typeface="+mj-cs"/>
+              </a:rPr>
+              <a:t>應允我</a:t>
             </a:r>
             <a:endParaRPr lang="en-US" altLang="zh-TW" sz="5400" b="1" dirty="0">
               <a:latin typeface="微軟正黑體" pitchFamily="34" charset="-120"/>
@@ -3594,8 +3768,26 @@
                 <a:latin typeface="微軟正黑體" pitchFamily="34" charset="-120"/>
                 <a:ea typeface="微軟正黑體" pitchFamily="34" charset="-120"/>
               </a:rPr>
-              <a:t>我要一心稱謝你</a:t>
-            </a:r>
+              <a:t>我要一心稱</a:t>
+            </a:r>
+            <a:r>
+              <a:rPr lang="zh-TW" altLang="en-US" b="1" dirty="0" smtClean="0">
+                <a:latin typeface="微軟正黑體" pitchFamily="34" charset="-120"/>
+                <a:ea typeface="微軟正黑體" pitchFamily="34" charset="-120"/>
+              </a:rPr>
+              <a:t>謝</a:t>
+            </a:r>
+            <a:r>
+              <a:rPr lang="zh-CN" altLang="en-US" b="1" dirty="0">
+                <a:latin typeface="微軟正黑體" pitchFamily="34" charset="-120"/>
+                <a:ea typeface="微軟正黑體" pitchFamily="34" charset="-120"/>
+              </a:rPr>
+              <a:t>袮</a:t>
+            </a:r>
+            <a:endParaRPr lang="zh-TW" altLang="en-US" b="1" dirty="0">
+              <a:latin typeface="微軟正黑體" pitchFamily="34" charset="-120"/>
+              <a:ea typeface="微軟正黑體" pitchFamily="34" charset="-120"/>
+            </a:endParaRPr>
           </a:p>
         </p:txBody>
       </p:sp>
@@ -3620,12 +3812,27 @@
               <a:buNone/>
             </a:pPr>
             <a:r>
+              <a:rPr lang="zh-CN" altLang="en-US" sz="5400" b="1" dirty="0">
+                <a:latin typeface="微軟正黑體" pitchFamily="34" charset="-120"/>
+                <a:ea typeface="微軟正黑體" pitchFamily="34" charset="-120"/>
+              </a:rPr>
+              <a:t>袮</a:t>
+            </a:r>
+            <a:r>
+              <a:rPr lang="zh-TW" altLang="en-US" sz="5400" b="1" dirty="0" smtClean="0">
+                <a:latin typeface="微軟正黑體" pitchFamily="34" charset="-120"/>
+                <a:ea typeface="微軟正黑體" pitchFamily="34" charset="-120"/>
+                <a:cs typeface="+mj-cs"/>
+              </a:rPr>
+              <a:t>必</a:t>
+            </a:r>
+            <a:r>
               <a:rPr lang="zh-TW" altLang="en-US" sz="5400" b="1" dirty="0">
                 <a:latin typeface="微軟正黑體" pitchFamily="34" charset="-120"/>
                 <a:ea typeface="微軟正黑體" pitchFamily="34" charset="-120"/>
                 <a:cs typeface="+mj-cs"/>
               </a:rPr>
-              <a:t>你必成全關乎我的事</a:t>
+              <a:t>成全關乎我的事</a:t>
             </a:r>
             <a:endParaRPr lang="en-US" altLang="zh-TW" sz="5400" b="1" dirty="0">
               <a:latin typeface="微軟正黑體" pitchFamily="34" charset="-120"/>
@@ -3638,12 +3845,27 @@
               <a:buNone/>
             </a:pPr>
             <a:r>
+              <a:rPr lang="zh-CN" altLang="en-US" sz="5400" b="1" dirty="0">
+                <a:latin typeface="微軟正黑體" pitchFamily="34" charset="-120"/>
+                <a:ea typeface="微軟正黑體" pitchFamily="34" charset="-120"/>
+              </a:rPr>
+              <a:t>袮</a:t>
+            </a:r>
+            <a:r>
+              <a:rPr lang="zh-TW" altLang="en-US" sz="5400" b="1" smtClean="0">
+                <a:latin typeface="微軟正黑體" pitchFamily="34" charset="-120"/>
+                <a:ea typeface="微軟正黑體" pitchFamily="34" charset="-120"/>
+                <a:cs typeface="+mj-cs"/>
+              </a:rPr>
+              <a:t>必</a:t>
+            </a:r>
+            <a:r>
               <a:rPr lang="zh-TW" altLang="en-US" sz="5400" b="1" dirty="0">
                 <a:latin typeface="微軟正黑體" pitchFamily="34" charset="-120"/>
                 <a:ea typeface="微軟正黑體" pitchFamily="34" charset="-120"/>
                 <a:cs typeface="+mj-cs"/>
               </a:rPr>
-              <a:t>你必不離棄你手所創造的</a:t>
+              <a:t>不離棄你手所創造的</a:t>
             </a:r>
           </a:p>
         </p:txBody>

--- a/我要一心稱謝你.pptx
+++ b/我要一心稱謝你.pptx
@@ -5,10 +5,14 @@
     <p:sldMasterId id="2147483660" r:id="rId1"/>
   </p:sldMasterIdLst>
   <p:sldIdLst>
-    <p:sldId id="257" r:id="rId2"/>
-    <p:sldId id="258" r:id="rId3"/>
-    <p:sldId id="259" r:id="rId4"/>
-    <p:sldId id="260" r:id="rId5"/>
+    <p:sldId id="261" r:id="rId2"/>
+    <p:sldId id="262" r:id="rId3"/>
+    <p:sldId id="263" r:id="rId4"/>
+    <p:sldId id="264" r:id="rId5"/>
+    <p:sldId id="265" r:id="rId6"/>
+    <p:sldId id="266" r:id="rId7"/>
+    <p:sldId id="267" r:id="rId8"/>
+    <p:sldId id="268" r:id="rId9"/>
   </p:sldIdLst>
   <p:sldSz cx="12192000" cy="6858000"/>
   <p:notesSz cx="6858000" cy="9144000"/>
@@ -307,7 +311,7 @@
           <a:p>
             <a:fld id="{58A801DE-A84B-4B0E-9952-CA2C35DE68C4}" type="datetimeFigureOut">
               <a:rPr lang="zh-TW" altLang="en-US" smtClean="0"/>
-              <a:t>2020/2/1</a:t>
+              <a:t>2020/11/28</a:t>
             </a:fld>
             <a:endParaRPr lang="zh-TW" altLang="en-US"/>
           </a:p>
@@ -477,7 +481,7 @@
           <a:p>
             <a:fld id="{58A801DE-A84B-4B0E-9952-CA2C35DE68C4}" type="datetimeFigureOut">
               <a:rPr lang="zh-TW" altLang="en-US" smtClean="0"/>
-              <a:t>2020/2/1</a:t>
+              <a:t>2020/11/28</a:t>
             </a:fld>
             <a:endParaRPr lang="zh-TW" altLang="en-US"/>
           </a:p>
@@ -657,7 +661,7 @@
           <a:p>
             <a:fld id="{58A801DE-A84B-4B0E-9952-CA2C35DE68C4}" type="datetimeFigureOut">
               <a:rPr lang="zh-TW" altLang="en-US" smtClean="0"/>
-              <a:t>2020/2/1</a:t>
+              <a:t>2020/11/28</a:t>
             </a:fld>
             <a:endParaRPr lang="zh-TW" altLang="en-US"/>
           </a:p>
@@ -827,7 +831,7 @@
           <a:p>
             <a:fld id="{58A801DE-A84B-4B0E-9952-CA2C35DE68C4}" type="datetimeFigureOut">
               <a:rPr lang="zh-TW" altLang="en-US" smtClean="0"/>
-              <a:t>2020/2/1</a:t>
+              <a:t>2020/11/28</a:t>
             </a:fld>
             <a:endParaRPr lang="zh-TW" altLang="en-US"/>
           </a:p>
@@ -1073,7 +1077,7 @@
           <a:p>
             <a:fld id="{58A801DE-A84B-4B0E-9952-CA2C35DE68C4}" type="datetimeFigureOut">
               <a:rPr lang="zh-TW" altLang="en-US" smtClean="0"/>
-              <a:t>2020/2/1</a:t>
+              <a:t>2020/11/28</a:t>
             </a:fld>
             <a:endParaRPr lang="zh-TW" altLang="en-US"/>
           </a:p>
@@ -1361,7 +1365,7 @@
           <a:p>
             <a:fld id="{58A801DE-A84B-4B0E-9952-CA2C35DE68C4}" type="datetimeFigureOut">
               <a:rPr lang="zh-TW" altLang="en-US" smtClean="0"/>
-              <a:t>2020/2/1</a:t>
+              <a:t>2020/11/28</a:t>
             </a:fld>
             <a:endParaRPr lang="zh-TW" altLang="en-US"/>
           </a:p>
@@ -1783,7 +1787,7 @@
           <a:p>
             <a:fld id="{58A801DE-A84B-4B0E-9952-CA2C35DE68C4}" type="datetimeFigureOut">
               <a:rPr lang="zh-TW" altLang="en-US" smtClean="0"/>
-              <a:t>2020/2/1</a:t>
+              <a:t>2020/11/28</a:t>
             </a:fld>
             <a:endParaRPr lang="zh-TW" altLang="en-US"/>
           </a:p>
@@ -1901,7 +1905,7 @@
           <a:p>
             <a:fld id="{58A801DE-A84B-4B0E-9952-CA2C35DE68C4}" type="datetimeFigureOut">
               <a:rPr lang="zh-TW" altLang="en-US" smtClean="0"/>
-              <a:t>2020/2/1</a:t>
+              <a:t>2020/11/28</a:t>
             </a:fld>
             <a:endParaRPr lang="zh-TW" altLang="en-US"/>
           </a:p>
@@ -1996,7 +2000,7 @@
           <a:p>
             <a:fld id="{58A801DE-A84B-4B0E-9952-CA2C35DE68C4}" type="datetimeFigureOut">
               <a:rPr lang="zh-TW" altLang="en-US" smtClean="0"/>
-              <a:t>2020/2/1</a:t>
+              <a:t>2020/11/28</a:t>
             </a:fld>
             <a:endParaRPr lang="zh-TW" altLang="en-US"/>
           </a:p>
@@ -2273,7 +2277,7 @@
           <a:p>
             <a:fld id="{58A801DE-A84B-4B0E-9952-CA2C35DE68C4}" type="datetimeFigureOut">
               <a:rPr lang="zh-TW" altLang="en-US" smtClean="0"/>
-              <a:t>2020/2/1</a:t>
+              <a:t>2020/11/28</a:t>
             </a:fld>
             <a:endParaRPr lang="zh-TW" altLang="en-US"/>
           </a:p>
@@ -2530,7 +2534,7 @@
           <a:p>
             <a:fld id="{58A801DE-A84B-4B0E-9952-CA2C35DE68C4}" type="datetimeFigureOut">
               <a:rPr lang="zh-TW" altLang="en-US" smtClean="0"/>
-              <a:t>2020/2/1</a:t>
+              <a:t>2020/11/28</a:t>
             </a:fld>
             <a:endParaRPr lang="zh-TW" altLang="en-US"/>
           </a:p>
@@ -2748,7 +2752,7 @@
           <a:p>
             <a:fld id="{58A801DE-A84B-4B0E-9952-CA2C35DE68C4}" type="datetimeFigureOut">
               <a:rPr lang="zh-TW" altLang="en-US" smtClean="0"/>
-              <a:t>2020/2/1</a:t>
+              <a:t>2020/11/28</a:t>
             </a:fld>
             <a:endParaRPr lang="zh-TW" altLang="en-US"/>
           </a:p>
@@ -3125,7 +3129,7 @@
       </p:grpSpPr>
       <p:sp>
         <p:nvSpPr>
-          <p:cNvPr id="2" name="標題 1"/>
+          <p:cNvPr id="4" name="標題 3"/>
           <p:cNvSpPr>
             <a:spLocks noGrp="1"/>
           </p:cNvSpPr>
@@ -3133,199 +3137,92 @@
             <p:ph type="title"/>
           </p:nvPr>
         </p:nvSpPr>
-        <p:spPr/>
-        <p:txBody>
-          <a:bodyPr/>
-          <a:lstStyle/>
-          <a:p>
-            <a:r>
-              <a:rPr lang="zh-TW" altLang="en-US" b="1" dirty="0">
+        <p:spPr>
+          <a:xfrm>
+            <a:off x="0" y="2857513"/>
+            <a:ext cx="12192000" cy="1143000"/>
+          </a:xfrm>
+        </p:spPr>
+        <p:txBody>
+          <a:bodyPr>
+            <a:noAutofit/>
+          </a:bodyPr>
+          <a:lstStyle/>
+          <a:p>
+            <a:r>
+              <a:rPr lang="zh-TW" altLang="en-US" sz="7200" b="1" i="1" dirty="0">
+                <a:solidFill>
+                  <a:srgbClr val="000066"/>
+                </a:solidFill>
+                <a:effectLst>
+                  <a:outerShdw blurRad="38100" dist="38100" dir="2700000" algn="tl">
+                    <a:srgbClr val="000000">
+                      <a:alpha val="43137"/>
+                    </a:srgbClr>
+                  </a:outerShdw>
+                </a:effectLst>
                 <a:latin typeface="微軟正黑體" pitchFamily="34" charset="-120"/>
                 <a:ea typeface="微軟正黑體" pitchFamily="34" charset="-120"/>
               </a:rPr>
-              <a:t>我要一心稱</a:t>
-            </a:r>
-            <a:r>
-              <a:rPr lang="zh-TW" altLang="en-US" b="1" dirty="0" smtClean="0">
+              <a:t>我</a:t>
+            </a:r>
+            <a:r>
+              <a:rPr lang="zh-TW" altLang="en-US" sz="7200" b="1" i="1" dirty="0">
+                <a:solidFill>
+                  <a:srgbClr val="000066"/>
+                </a:solidFill>
+                <a:effectLst>
+                  <a:outerShdw blurRad="38100" dist="38100" dir="2700000" algn="tl">
+                    <a:srgbClr val="000000">
+                      <a:alpha val="43137"/>
+                    </a:srgbClr>
+                  </a:outerShdw>
+                </a:effectLst>
                 <a:latin typeface="微軟正黑體" pitchFamily="34" charset="-120"/>
                 <a:ea typeface="微軟正黑體" pitchFamily="34" charset="-120"/>
               </a:rPr>
-              <a:t>謝</a:t>
-            </a:r>
-            <a:r>
-              <a:rPr lang="zh-CN" altLang="en-US" b="1" dirty="0" smtClean="0">
+              <a:t>要一心稱謝</a:t>
+            </a:r>
+            <a:r>
+              <a:rPr lang="zh-CN" altLang="en-US" sz="7200" b="1" i="1" dirty="0">
+                <a:solidFill>
+                  <a:srgbClr val="000066"/>
+                </a:solidFill>
+                <a:effectLst>
+                  <a:outerShdw blurRad="38100" dist="38100" dir="2700000" algn="tl">
+                    <a:srgbClr val="000000">
+                      <a:alpha val="43137"/>
+                    </a:srgbClr>
+                  </a:outerShdw>
+                </a:effectLst>
                 <a:latin typeface="微軟正黑體" pitchFamily="34" charset="-120"/>
                 <a:ea typeface="微軟正黑體" pitchFamily="34" charset="-120"/>
               </a:rPr>
               <a:t>袮</a:t>
             </a:r>
-            <a:endParaRPr lang="zh-TW" altLang="en-US" b="1" dirty="0">
+            <a:endParaRPr lang="zh-TW" altLang="en-US" sz="7200" b="1" i="1" dirty="0">
+              <a:solidFill>
+                <a:srgbClr val="000066"/>
+              </a:solidFill>
+              <a:effectLst>
+                <a:outerShdw blurRad="38100" dist="38100" dir="2700000" algn="tl">
+                  <a:srgbClr val="000000">
+                    <a:alpha val="43137"/>
+                  </a:srgbClr>
+                </a:outerShdw>
+              </a:effectLst>
               <a:latin typeface="微軟正黑體" pitchFamily="34" charset="-120"/>
               <a:ea typeface="微軟正黑體" pitchFamily="34" charset="-120"/>
             </a:endParaRPr>
           </a:p>
         </p:txBody>
       </p:sp>
-      <p:sp>
-        <p:nvSpPr>
-          <p:cNvPr id="3" name="內容版面配置區 2"/>
-          <p:cNvSpPr>
-            <a:spLocks noGrp="1"/>
-          </p:cNvSpPr>
-          <p:nvPr>
-            <p:ph idx="1"/>
-          </p:nvPr>
-        </p:nvSpPr>
-        <p:spPr/>
-        <p:txBody>
-          <a:bodyPr>
-            <a:normAutofit/>
-          </a:bodyPr>
-          <a:lstStyle/>
-          <a:p>
-            <a:pPr algn="ctr">
-              <a:buNone/>
-            </a:pPr>
-            <a:r>
-              <a:rPr lang="zh-TW" altLang="en-US" sz="5400" b="1" dirty="0">
-                <a:latin typeface="微軟正黑體" pitchFamily="34" charset="-120"/>
-                <a:ea typeface="微軟正黑體" pitchFamily="34" charset="-120"/>
-              </a:rPr>
-              <a:t>我要一心稱</a:t>
-            </a:r>
-            <a:r>
-              <a:rPr lang="zh-TW" altLang="en-US" sz="5400" b="1" dirty="0" smtClean="0">
-                <a:latin typeface="微軟正黑體" pitchFamily="34" charset="-120"/>
-                <a:ea typeface="微軟正黑體" pitchFamily="34" charset="-120"/>
-              </a:rPr>
-              <a:t>謝</a:t>
-            </a:r>
-            <a:r>
-              <a:rPr lang="zh-CN" altLang="en-US" sz="5400" b="1" dirty="0">
-                <a:latin typeface="微軟正黑體" pitchFamily="34" charset="-120"/>
-                <a:ea typeface="微軟正黑體" pitchFamily="34" charset="-120"/>
-              </a:rPr>
-              <a:t>袮</a:t>
-            </a:r>
-            <a:endParaRPr lang="en-US" altLang="zh-TW" sz="5400" b="1" dirty="0">
-              <a:latin typeface="微軟正黑體" pitchFamily="34" charset="-120"/>
-              <a:ea typeface="微軟正黑體" pitchFamily="34" charset="-120"/>
-            </a:endParaRPr>
-          </a:p>
-          <a:p>
-            <a:pPr algn="ctr">
-              <a:buNone/>
-            </a:pPr>
-            <a:r>
-              <a:rPr lang="zh-TW" altLang="en-US" sz="5400" b="1" dirty="0">
-                <a:latin typeface="微軟正黑體" pitchFamily="34" charset="-120"/>
-                <a:ea typeface="微軟正黑體" pitchFamily="34" charset="-120"/>
-              </a:rPr>
-              <a:t>在諸神面前歌</a:t>
-            </a:r>
-            <a:r>
-              <a:rPr lang="zh-TW" altLang="en-US" sz="5400" b="1" dirty="0" smtClean="0">
-                <a:latin typeface="微軟正黑體" pitchFamily="34" charset="-120"/>
-                <a:ea typeface="微軟正黑體" pitchFamily="34" charset="-120"/>
-              </a:rPr>
-              <a:t>頌</a:t>
-            </a:r>
-            <a:r>
-              <a:rPr lang="zh-CN" altLang="en-US" sz="5400" b="1" dirty="0">
-                <a:latin typeface="微軟正黑體" pitchFamily="34" charset="-120"/>
-                <a:ea typeface="微軟正黑體" pitchFamily="34" charset="-120"/>
-              </a:rPr>
-              <a:t>袮</a:t>
-            </a:r>
-            <a:endParaRPr lang="en-US" altLang="zh-TW" sz="5400" b="1" dirty="0">
-              <a:latin typeface="微軟正黑體" pitchFamily="34" charset="-120"/>
-              <a:ea typeface="微軟正黑體" pitchFamily="34" charset="-120"/>
-            </a:endParaRPr>
-          </a:p>
-          <a:p>
-            <a:pPr algn="ctr">
-              <a:buNone/>
-            </a:pPr>
-            <a:r>
-              <a:rPr lang="zh-TW" altLang="en-US" sz="5400" b="1" dirty="0">
-                <a:latin typeface="微軟正黑體" pitchFamily="34" charset="-120"/>
-                <a:ea typeface="微軟正黑體" pitchFamily="34" charset="-120"/>
-              </a:rPr>
-              <a:t>我要</a:t>
-            </a:r>
-            <a:r>
-              <a:rPr lang="zh-TW" altLang="en-US" sz="5400" b="1" dirty="0" smtClean="0">
-                <a:latin typeface="微軟正黑體" pitchFamily="34" charset="-120"/>
-                <a:ea typeface="微軟正黑體" pitchFamily="34" charset="-120"/>
-              </a:rPr>
-              <a:t>向</a:t>
-            </a:r>
-            <a:r>
-              <a:rPr lang="zh-CN" altLang="en-US" sz="5400" b="1" dirty="0">
-                <a:latin typeface="微軟正黑體" pitchFamily="34" charset="-120"/>
-                <a:ea typeface="微軟正黑體" pitchFamily="34" charset="-120"/>
-              </a:rPr>
-              <a:t>袮</a:t>
-            </a:r>
-            <a:r>
-              <a:rPr lang="zh-TW" altLang="en-US" sz="5400" b="1" dirty="0" smtClean="0">
-                <a:latin typeface="微軟正黑體" pitchFamily="34" charset="-120"/>
-                <a:ea typeface="微軟正黑體" pitchFamily="34" charset="-120"/>
-              </a:rPr>
-              <a:t>的</a:t>
-            </a:r>
-            <a:r>
-              <a:rPr lang="zh-TW" altLang="en-US" sz="5400" b="1" dirty="0">
-                <a:latin typeface="微軟正黑體" pitchFamily="34" charset="-120"/>
-                <a:ea typeface="微軟正黑體" pitchFamily="34" charset="-120"/>
-              </a:rPr>
-              <a:t>聖殿下拜</a:t>
-            </a:r>
-            <a:endParaRPr lang="en-US" altLang="zh-TW" sz="5400" b="1" dirty="0">
-              <a:latin typeface="微軟正黑體" pitchFamily="34" charset="-120"/>
-              <a:ea typeface="微軟正黑體" pitchFamily="34" charset="-120"/>
-            </a:endParaRPr>
-          </a:p>
-          <a:p>
-            <a:pPr algn="ctr">
-              <a:buNone/>
-            </a:pPr>
-            <a:r>
-              <a:rPr lang="zh-TW" altLang="en-US" sz="5400" b="1" dirty="0">
-                <a:latin typeface="微軟正黑體" pitchFamily="34" charset="-120"/>
-                <a:ea typeface="微軟正黑體" pitchFamily="34" charset="-120"/>
-              </a:rPr>
-              <a:t>為你慈愛和誠實稱</a:t>
-            </a:r>
-            <a:r>
-              <a:rPr lang="zh-TW" altLang="en-US" sz="5400" b="1" dirty="0" smtClean="0">
-                <a:latin typeface="微軟正黑體" pitchFamily="34" charset="-120"/>
-                <a:ea typeface="微軟正黑體" pitchFamily="34" charset="-120"/>
-              </a:rPr>
-              <a:t>讚</a:t>
-            </a:r>
-            <a:r>
-              <a:rPr lang="zh-CN" altLang="en-US" sz="5400" b="1" dirty="0">
-                <a:latin typeface="微軟正黑體" pitchFamily="34" charset="-120"/>
-                <a:ea typeface="微軟正黑體" pitchFamily="34" charset="-120"/>
-              </a:rPr>
-              <a:t>袮</a:t>
-            </a:r>
-            <a:r>
-              <a:rPr lang="zh-TW" altLang="en-US" sz="5400" b="1" dirty="0" smtClean="0">
-                <a:latin typeface="微軟正黑體" pitchFamily="34" charset="-120"/>
-                <a:ea typeface="微軟正黑體" pitchFamily="34" charset="-120"/>
-              </a:rPr>
-              <a:t>名</a:t>
-            </a:r>
-            <a:endParaRPr lang="zh-TW" altLang="en-US" sz="5400" b="1" dirty="0">
-              <a:latin typeface="微軟正黑體" pitchFamily="34" charset="-120"/>
-              <a:ea typeface="微軟正黑體" pitchFamily="34" charset="-120"/>
-            </a:endParaRPr>
-          </a:p>
-        </p:txBody>
-      </p:sp>
     </p:spTree>
+    <p:extLst>
+      <p:ext uri="{BB962C8B-B14F-4D97-AF65-F5344CB8AC3E}">
+        <p14:creationId xmlns:p14="http://schemas.microsoft.com/office/powerpoint/2010/main" val="2860840861"/>
+      </p:ext>
+    </p:extLst>
   </p:cSld>
   <p:clrMapOvr>
     <a:masterClrMapping/>
@@ -3352,171 +3249,97 @@
       </p:grpSpPr>
       <p:sp>
         <p:nvSpPr>
-          <p:cNvPr id="2" name="標題 1"/>
-          <p:cNvSpPr>
-            <a:spLocks noGrp="1"/>
-          </p:cNvSpPr>
-          <p:nvPr>
-            <p:ph type="title"/>
-          </p:nvPr>
-        </p:nvSpPr>
-        <p:spPr/>
-        <p:txBody>
-          <a:bodyPr/>
-          <a:lstStyle/>
-          <a:p>
-            <a:r>
-              <a:rPr lang="zh-TW" altLang="en-US" b="1" dirty="0">
+          <p:cNvPr id="5" name="內容版面配置區 4"/>
+          <p:cNvSpPr>
+            <a:spLocks noGrp="1"/>
+          </p:cNvSpPr>
+          <p:nvPr>
+            <p:ph idx="1"/>
+          </p:nvPr>
+        </p:nvSpPr>
+        <p:spPr>
+          <a:xfrm>
+            <a:off x="0" y="2084851"/>
+            <a:ext cx="12192000" cy="2404863"/>
+          </a:xfrm>
+        </p:spPr>
+        <p:txBody>
+          <a:bodyPr anchor="ctr">
+            <a:normAutofit/>
+          </a:bodyPr>
+          <a:lstStyle/>
+          <a:p>
+            <a:pPr algn="ctr">
+              <a:buNone/>
+            </a:pPr>
+            <a:r>
+              <a:rPr lang="zh-TW" altLang="en-US" sz="6400" b="1" dirty="0">
+                <a:solidFill>
+                  <a:srgbClr val="000066"/>
+                </a:solidFill>
                 <a:latin typeface="微軟正黑體" pitchFamily="34" charset="-120"/>
                 <a:ea typeface="微軟正黑體" pitchFamily="34" charset="-120"/>
               </a:rPr>
-              <a:t>我要一心稱</a:t>
-            </a:r>
-            <a:r>
-              <a:rPr lang="zh-TW" altLang="en-US" b="1" dirty="0" smtClean="0">
-                <a:latin typeface="微軟正黑體" pitchFamily="34" charset="-120"/>
-                <a:ea typeface="微軟正黑體" pitchFamily="34" charset="-120"/>
-              </a:rPr>
-              <a:t>謝</a:t>
-            </a:r>
-            <a:r>
-              <a:rPr lang="zh-CN" altLang="en-US" b="1" dirty="0">
+              <a:t>我要一心稱謝</a:t>
+            </a:r>
+            <a:r>
+              <a:rPr lang="zh-CN" altLang="en-US" sz="6400" b="1" dirty="0">
+                <a:solidFill>
+                  <a:srgbClr val="000066"/>
+                </a:solidFill>
                 <a:latin typeface="微軟正黑體" pitchFamily="34" charset="-120"/>
                 <a:ea typeface="微軟正黑體" pitchFamily="34" charset="-120"/>
               </a:rPr>
               <a:t>袮</a:t>
             </a:r>
-            <a:endParaRPr lang="zh-TW" altLang="en-US" b="1" dirty="0">
+            <a:endParaRPr lang="en-US" altLang="zh-TW" sz="6400" b="1" dirty="0">
+              <a:solidFill>
+                <a:srgbClr val="000066"/>
+              </a:solidFill>
               <a:latin typeface="微軟正黑體" pitchFamily="34" charset="-120"/>
               <a:ea typeface="微軟正黑體" pitchFamily="34" charset="-120"/>
             </a:endParaRPr>
           </a:p>
-        </p:txBody>
-      </p:sp>
-      <p:sp>
-        <p:nvSpPr>
-          <p:cNvPr id="3" name="內容版面配置區 2"/>
-          <p:cNvSpPr>
-            <a:spLocks noGrp="1"/>
-          </p:cNvSpPr>
-          <p:nvPr>
-            <p:ph idx="1"/>
-          </p:nvPr>
-        </p:nvSpPr>
-        <p:spPr/>
-        <p:txBody>
-          <a:bodyPr>
-            <a:normAutofit/>
-          </a:bodyPr>
-          <a:lstStyle/>
           <a:p>
             <a:pPr algn="ctr">
               <a:buNone/>
             </a:pPr>
             <a:r>
-              <a:rPr lang="zh-TW" altLang="en-US" sz="5400" b="1" dirty="0">
+              <a:rPr lang="zh-TW" altLang="en-US" sz="6400" b="1" dirty="0">
+                <a:solidFill>
+                  <a:srgbClr val="000066"/>
+                </a:solidFill>
                 <a:latin typeface="微軟正黑體" pitchFamily="34" charset="-120"/>
                 <a:ea typeface="微軟正黑體" pitchFamily="34" charset="-120"/>
-                <a:cs typeface="+mj-cs"/>
               </a:rPr>
-              <a:t>我要歌頌耶和華作為</a:t>
-            </a:r>
-            <a:endParaRPr lang="en-US" altLang="zh-TW" sz="5400" b="1" dirty="0">
-              <a:latin typeface="微軟正黑體" pitchFamily="34" charset="-120"/>
-              <a:ea typeface="微軟正黑體" pitchFamily="34" charset="-120"/>
-              <a:cs typeface="+mj-cs"/>
-            </a:endParaRPr>
-          </a:p>
-          <a:p>
-            <a:pPr algn="ctr">
-              <a:buNone/>
-            </a:pPr>
-            <a:r>
-              <a:rPr lang="zh-TW" altLang="en-US" sz="5400" b="1" dirty="0" smtClean="0">
-                <a:latin typeface="微軟正黑體" pitchFamily="34" charset="-120"/>
-                <a:ea typeface="微軟正黑體" pitchFamily="34" charset="-120"/>
-                <a:cs typeface="+mj-cs"/>
-              </a:rPr>
-              <a:t>因</a:t>
-            </a:r>
-            <a:r>
-              <a:rPr lang="zh-CN" altLang="en-US" sz="5400" b="1" dirty="0">
+              <a:t>在諸神面前歌頌</a:t>
+            </a:r>
+            <a:r>
+              <a:rPr lang="zh-CN" altLang="en-US" sz="6400" b="1" dirty="0">
+                <a:solidFill>
+                  <a:srgbClr val="000066"/>
+                </a:solidFill>
                 <a:latin typeface="微軟正黑體" pitchFamily="34" charset="-120"/>
                 <a:ea typeface="微軟正黑體" pitchFamily="34" charset="-120"/>
               </a:rPr>
               <a:t>袮</a:t>
             </a:r>
-            <a:r>
-              <a:rPr lang="zh-TW" altLang="en-US" sz="5400" b="1" dirty="0" smtClean="0">
-                <a:latin typeface="微軟正黑體" pitchFamily="34" charset="-120"/>
-                <a:ea typeface="微軟正黑體" pitchFamily="34" charset="-120"/>
-                <a:cs typeface="+mj-cs"/>
-              </a:rPr>
-              <a:t>慈</a:t>
-            </a:r>
-            <a:r>
-              <a:rPr lang="zh-TW" altLang="en-US" sz="5400" b="1" dirty="0">
-                <a:latin typeface="微軟正黑體" pitchFamily="34" charset="-120"/>
-                <a:ea typeface="微軟正黑體" pitchFamily="34" charset="-120"/>
-                <a:cs typeface="+mj-cs"/>
-              </a:rPr>
-              <a:t>愛永遠長存</a:t>
-            </a:r>
-            <a:endParaRPr lang="en-US" altLang="zh-TW" sz="5400" b="1" dirty="0">
+            <a:endParaRPr lang="en-US" altLang="zh-TW" sz="6400" b="1" dirty="0">
+              <a:solidFill>
+                <a:srgbClr val="000066"/>
+              </a:solidFill>
               <a:latin typeface="微軟正黑體" pitchFamily="34" charset="-120"/>
               <a:ea typeface="微軟正黑體" pitchFamily="34" charset="-120"/>
-              <a:cs typeface="+mj-cs"/>
             </a:endParaRPr>
           </a:p>
-          <a:p>
-            <a:pPr algn="ctr">
-              <a:buNone/>
-            </a:pPr>
-            <a:r>
-              <a:rPr lang="zh-TW" altLang="en-US" sz="5400" b="1" dirty="0">
-                <a:latin typeface="微軟正黑體" pitchFamily="34" charset="-120"/>
-                <a:ea typeface="微軟正黑體" pitchFamily="34" charset="-120"/>
-                <a:cs typeface="+mj-cs"/>
-              </a:rPr>
-              <a:t>我雖行在困苦患難中</a:t>
-            </a:r>
-            <a:endParaRPr lang="en-US" altLang="zh-TW" sz="5400" b="1" dirty="0">
-              <a:latin typeface="微軟正黑體" pitchFamily="34" charset="-120"/>
-              <a:ea typeface="微軟正黑體" pitchFamily="34" charset="-120"/>
-              <a:cs typeface="+mj-cs"/>
-            </a:endParaRPr>
-          </a:p>
-          <a:p>
-            <a:pPr algn="ctr">
-              <a:buNone/>
-            </a:pPr>
-            <a:r>
-              <a:rPr lang="zh-CN" altLang="en-US" sz="5400" b="1" dirty="0">
-                <a:latin typeface="微軟正黑體" pitchFamily="34" charset="-120"/>
-                <a:ea typeface="微軟正黑體" pitchFamily="34" charset="-120"/>
-              </a:rPr>
-              <a:t>袮</a:t>
-            </a:r>
-            <a:r>
-              <a:rPr lang="zh-TW" altLang="en-US" sz="5400" b="1" dirty="0" smtClean="0">
-                <a:latin typeface="微軟正黑體" pitchFamily="34" charset="-120"/>
-                <a:ea typeface="微軟正黑體" pitchFamily="34" charset="-120"/>
-                <a:cs typeface="+mj-cs"/>
-              </a:rPr>
-              <a:t>應</a:t>
-            </a:r>
-            <a:r>
-              <a:rPr lang="zh-TW" altLang="en-US" sz="5400" b="1" dirty="0">
-                <a:latin typeface="微軟正黑體" pitchFamily="34" charset="-120"/>
-                <a:ea typeface="微軟正黑體" pitchFamily="34" charset="-120"/>
-                <a:cs typeface="+mj-cs"/>
-              </a:rPr>
-              <a:t>許必將我救活</a:t>
-            </a:r>
-          </a:p>
         </p:txBody>
       </p:sp>
     </p:spTree>
+    <p:extLst>
+      <p:ext uri="{BB962C8B-B14F-4D97-AF65-F5344CB8AC3E}">
+        <p14:creationId xmlns:p14="http://schemas.microsoft.com/office/powerpoint/2010/main" val="3061950270"/>
+      </p:ext>
+    </p:extLst>
   </p:cSld>
   <p:clrMapOvr>
     <a:masterClrMapping/>
@@ -3543,187 +3366,137 @@
       </p:grpSpPr>
       <p:sp>
         <p:nvSpPr>
-          <p:cNvPr id="2" name="標題 1"/>
-          <p:cNvSpPr>
-            <a:spLocks noGrp="1"/>
-          </p:cNvSpPr>
-          <p:nvPr>
-            <p:ph type="title"/>
-          </p:nvPr>
-        </p:nvSpPr>
-        <p:spPr/>
-        <p:txBody>
-          <a:bodyPr/>
-          <a:lstStyle/>
-          <a:p>
-            <a:r>
-              <a:rPr lang="zh-TW" altLang="en-US" b="1" dirty="0">
+          <p:cNvPr id="5" name="內容版面配置區 4"/>
+          <p:cNvSpPr>
+            <a:spLocks noGrp="1"/>
+          </p:cNvSpPr>
+          <p:nvPr>
+            <p:ph idx="1"/>
+          </p:nvPr>
+        </p:nvSpPr>
+        <p:spPr>
+          <a:xfrm>
+            <a:off x="0" y="2084851"/>
+            <a:ext cx="12192000" cy="2404863"/>
+          </a:xfrm>
+        </p:spPr>
+        <p:txBody>
+          <a:bodyPr anchor="ctr">
+            <a:normAutofit/>
+          </a:bodyPr>
+          <a:lstStyle/>
+          <a:p>
+            <a:pPr algn="ctr">
+              <a:buNone/>
+            </a:pPr>
+            <a:r>
+              <a:rPr lang="zh-TW" altLang="en-US" sz="6400" b="1" dirty="0">
+                <a:solidFill>
+                  <a:srgbClr val="000066"/>
+                </a:solidFill>
                 <a:latin typeface="微軟正黑體" pitchFamily="34" charset="-120"/>
                 <a:ea typeface="微軟正黑體" pitchFamily="34" charset="-120"/>
               </a:rPr>
-              <a:t>我要一心稱</a:t>
-            </a:r>
-            <a:r>
-              <a:rPr lang="zh-TW" altLang="en-US" b="1" dirty="0" smtClean="0">
-                <a:latin typeface="微軟正黑體" pitchFamily="34" charset="-120"/>
-                <a:ea typeface="微軟正黑體" pitchFamily="34" charset="-120"/>
-              </a:rPr>
-              <a:t>謝</a:t>
-            </a:r>
-            <a:r>
-              <a:rPr lang="zh-CN" altLang="en-US" b="1" dirty="0">
+              <a:t>我要向</a:t>
+            </a:r>
+            <a:r>
+              <a:rPr lang="zh-CN" altLang="en-US" sz="6400" b="1" dirty="0">
+                <a:solidFill>
+                  <a:srgbClr val="000066"/>
+                </a:solidFill>
                 <a:latin typeface="微軟正黑體" pitchFamily="34" charset="-120"/>
                 <a:ea typeface="微軟正黑體" pitchFamily="34" charset="-120"/>
               </a:rPr>
               <a:t>袮</a:t>
             </a:r>
-            <a:endParaRPr lang="zh-TW" altLang="en-US" b="1" dirty="0">
+            <a:r>
+              <a:rPr lang="zh-TW" altLang="en-US" sz="6400" b="1" dirty="0">
+                <a:solidFill>
+                  <a:srgbClr val="000066"/>
+                </a:solidFill>
+                <a:latin typeface="微軟正黑體" pitchFamily="34" charset="-120"/>
+                <a:ea typeface="微軟正黑體" pitchFamily="34" charset="-120"/>
+              </a:rPr>
+              <a:t>的聖殿下拜</a:t>
+            </a:r>
+            <a:endParaRPr lang="en-US" altLang="zh-TW" sz="6400" b="1" dirty="0">
+              <a:solidFill>
+                <a:srgbClr val="000066"/>
+              </a:solidFill>
               <a:latin typeface="微軟正黑體" pitchFamily="34" charset="-120"/>
               <a:ea typeface="微軟正黑體" pitchFamily="34" charset="-120"/>
             </a:endParaRPr>
           </a:p>
-        </p:txBody>
-      </p:sp>
-      <p:sp>
-        <p:nvSpPr>
-          <p:cNvPr id="3" name="內容版面配置區 2"/>
-          <p:cNvSpPr>
-            <a:spLocks noGrp="1"/>
-          </p:cNvSpPr>
-          <p:nvPr>
-            <p:ph idx="1"/>
-          </p:nvPr>
-        </p:nvSpPr>
-        <p:spPr/>
-        <p:txBody>
-          <a:bodyPr>
-            <a:normAutofit/>
-          </a:bodyPr>
-          <a:lstStyle/>
           <a:p>
             <a:pPr algn="ctr">
               <a:buNone/>
             </a:pPr>
             <a:r>
-              <a:rPr lang="zh-TW" altLang="en-US" sz="5400" b="1" dirty="0">
+              <a:rPr lang="zh-TW" altLang="en-US" sz="6400" b="1" dirty="0">
+                <a:solidFill>
+                  <a:srgbClr val="000066"/>
+                </a:solidFill>
                 <a:latin typeface="微軟正黑體" pitchFamily="34" charset="-120"/>
                 <a:ea typeface="微軟正黑體" pitchFamily="34" charset="-120"/>
-                <a:cs typeface="+mj-cs"/>
               </a:rPr>
-              <a:t>我要歌頌耶和華作為</a:t>
-            </a:r>
-            <a:endParaRPr lang="en-US" altLang="zh-TW" sz="5400" b="1" dirty="0">
-              <a:latin typeface="微軟正黑體" pitchFamily="34" charset="-120"/>
-              <a:ea typeface="微軟正黑體" pitchFamily="34" charset="-120"/>
-              <a:cs typeface="+mj-cs"/>
-            </a:endParaRPr>
-          </a:p>
-          <a:p>
-            <a:pPr algn="ctr">
-              <a:buNone/>
-            </a:pPr>
-            <a:r>
-              <a:rPr lang="zh-TW" altLang="en-US" sz="5400" b="1" dirty="0" smtClean="0">
-                <a:latin typeface="微軟正黑體" pitchFamily="34" charset="-120"/>
-                <a:ea typeface="微軟正黑體" pitchFamily="34" charset="-120"/>
-                <a:cs typeface="+mj-cs"/>
-              </a:rPr>
-              <a:t>因</a:t>
-            </a:r>
-            <a:r>
-              <a:rPr lang="zh-CN" altLang="en-US" sz="5400" b="1" dirty="0">
+              <a:t>為</a:t>
+            </a:r>
+            <a:r>
+              <a:rPr lang="zh-CN" altLang="en-US" sz="6400" b="1" dirty="0">
+                <a:solidFill>
+                  <a:srgbClr val="000066"/>
+                </a:solidFill>
                 <a:latin typeface="微軟正黑體" pitchFamily="34" charset="-120"/>
                 <a:ea typeface="微軟正黑體" pitchFamily="34" charset="-120"/>
               </a:rPr>
               <a:t>袮</a:t>
             </a:r>
             <a:r>
-              <a:rPr lang="zh-TW" altLang="en-US" sz="5400" b="1" dirty="0" smtClean="0">
+              <a:rPr lang="zh-TW" altLang="en-US" sz="6400" b="1" dirty="0">
+                <a:solidFill>
+                  <a:srgbClr val="000066"/>
+                </a:solidFill>
                 <a:latin typeface="微軟正黑體" pitchFamily="34" charset="-120"/>
                 <a:ea typeface="微軟正黑體" pitchFamily="34" charset="-120"/>
-                <a:cs typeface="+mj-cs"/>
               </a:rPr>
-              <a:t>的</a:t>
-            </a:r>
-            <a:r>
-              <a:rPr lang="zh-TW" altLang="en-US" sz="5400" b="1" dirty="0">
-                <a:latin typeface="微軟正黑體" pitchFamily="34" charset="-120"/>
-                <a:ea typeface="微軟正黑體" pitchFamily="34" charset="-120"/>
-                <a:cs typeface="+mj-cs"/>
-              </a:rPr>
-              <a:t>名大有榮耀</a:t>
-            </a:r>
-            <a:endParaRPr lang="en-US" altLang="zh-TW" sz="5400" b="1" dirty="0">
-              <a:latin typeface="微軟正黑體" pitchFamily="34" charset="-120"/>
-              <a:ea typeface="微軟正黑體" pitchFamily="34" charset="-120"/>
-              <a:cs typeface="+mj-cs"/>
-            </a:endParaRPr>
-          </a:p>
-          <a:p>
-            <a:pPr algn="ctr">
-              <a:buNone/>
-            </a:pPr>
-            <a:r>
-              <a:rPr lang="zh-TW" altLang="en-US" sz="5400" b="1" dirty="0">
-                <a:latin typeface="微軟正黑體" pitchFamily="34" charset="-120"/>
-                <a:ea typeface="微軟正黑體" pitchFamily="34" charset="-120"/>
-                <a:cs typeface="+mj-cs"/>
-              </a:rPr>
-              <a:t>我呼求</a:t>
-            </a:r>
-            <a:r>
-              <a:rPr lang="zh-TW" altLang="en-US" sz="5400" b="1" dirty="0" smtClean="0">
-                <a:latin typeface="微軟正黑體" pitchFamily="34" charset="-120"/>
-                <a:ea typeface="微軟正黑體" pitchFamily="34" charset="-120"/>
-                <a:cs typeface="+mj-cs"/>
-              </a:rPr>
-              <a:t>時</a:t>
-            </a:r>
-            <a:r>
-              <a:rPr lang="zh-CN" altLang="en-US" sz="5400" b="1" dirty="0">
+              <a:t>慈愛和誠實稱讚</a:t>
+            </a:r>
+            <a:r>
+              <a:rPr lang="zh-CN" altLang="en-US" sz="6400" b="1" dirty="0">
+                <a:solidFill>
+                  <a:srgbClr val="000066"/>
+                </a:solidFill>
                 <a:latin typeface="微軟正黑體" pitchFamily="34" charset="-120"/>
                 <a:ea typeface="微軟正黑體" pitchFamily="34" charset="-120"/>
               </a:rPr>
               <a:t>袮</a:t>
             </a:r>
             <a:r>
-              <a:rPr lang="zh-TW" altLang="en-US" sz="5400" b="1" dirty="0" smtClean="0">
+              <a:rPr lang="zh-TW" altLang="en-US" sz="6400" b="1" dirty="0">
+                <a:solidFill>
+                  <a:srgbClr val="000066"/>
+                </a:solidFill>
                 <a:latin typeface="微軟正黑體" pitchFamily="34" charset="-120"/>
                 <a:ea typeface="微軟正黑體" pitchFamily="34" charset="-120"/>
-                <a:cs typeface="+mj-cs"/>
               </a:rPr>
-              <a:t>必</a:t>
-            </a:r>
-            <a:r>
-              <a:rPr lang="zh-TW" altLang="en-US" sz="5400" b="1" dirty="0">
-                <a:latin typeface="微軟正黑體" pitchFamily="34" charset="-120"/>
-                <a:ea typeface="微軟正黑體" pitchFamily="34" charset="-120"/>
-                <a:cs typeface="+mj-cs"/>
-              </a:rPr>
-              <a:t>應允我</a:t>
-            </a:r>
-            <a:endParaRPr lang="en-US" altLang="zh-TW" sz="5400" b="1" dirty="0">
+              <a:t>名</a:t>
+            </a:r>
+            <a:endParaRPr lang="zh-TW" altLang="en-US" sz="6400" b="1" dirty="0">
+              <a:solidFill>
+                <a:srgbClr val="000066"/>
+              </a:solidFill>
               <a:latin typeface="微軟正黑體" pitchFamily="34" charset="-120"/>
               <a:ea typeface="微軟正黑體" pitchFamily="34" charset="-120"/>
-              <a:cs typeface="+mj-cs"/>
             </a:endParaRPr>
           </a:p>
-          <a:p>
-            <a:pPr algn="ctr">
-              <a:buNone/>
-            </a:pPr>
-            <a:r>
-              <a:rPr lang="zh-TW" altLang="en-US" sz="5400" b="1" dirty="0">
-                <a:latin typeface="微軟正黑體" pitchFamily="34" charset="-120"/>
-                <a:ea typeface="微軟正黑體" pitchFamily="34" charset="-120"/>
-                <a:cs typeface="+mj-cs"/>
-              </a:rPr>
-              <a:t>鼓勵我   使我心裡有能力</a:t>
-            </a:r>
-          </a:p>
         </p:txBody>
       </p:sp>
     </p:spTree>
+    <p:extLst>
+      <p:ext uri="{BB962C8B-B14F-4D97-AF65-F5344CB8AC3E}">
+        <p14:creationId xmlns:p14="http://schemas.microsoft.com/office/powerpoint/2010/main" val="360293191"/>
+      </p:ext>
+    </p:extLst>
   </p:cSld>
   <p:clrMapOvr>
     <a:masterClrMapping/>
@@ -3750,50 +3523,124 @@
       </p:grpSpPr>
       <p:sp>
         <p:nvSpPr>
-          <p:cNvPr id="2" name="標題 1"/>
-          <p:cNvSpPr>
-            <a:spLocks noGrp="1"/>
-          </p:cNvSpPr>
-          <p:nvPr>
-            <p:ph type="title"/>
-          </p:nvPr>
-        </p:nvSpPr>
-        <p:spPr/>
-        <p:txBody>
-          <a:bodyPr/>
-          <a:lstStyle/>
-          <a:p>
-            <a:r>
-              <a:rPr lang="zh-TW" altLang="en-US" b="1" dirty="0">
+          <p:cNvPr id="5" name="內容版面配置區 4"/>
+          <p:cNvSpPr>
+            <a:spLocks noGrp="1"/>
+          </p:cNvSpPr>
+          <p:nvPr>
+            <p:ph idx="1"/>
+          </p:nvPr>
+        </p:nvSpPr>
+        <p:spPr>
+          <a:xfrm>
+            <a:off x="0" y="2084851"/>
+            <a:ext cx="12192000" cy="2404863"/>
+          </a:xfrm>
+        </p:spPr>
+        <p:txBody>
+          <a:bodyPr anchor="ctr">
+            <a:normAutofit/>
+          </a:bodyPr>
+          <a:lstStyle/>
+          <a:p>
+            <a:pPr algn="ctr">
+              <a:buNone/>
+            </a:pPr>
+            <a:r>
+              <a:rPr lang="zh-TW" altLang="en-US" sz="6400" b="1" dirty="0">
+                <a:solidFill>
+                  <a:srgbClr val="000066"/>
+                </a:solidFill>
                 <a:latin typeface="微軟正黑體" pitchFamily="34" charset="-120"/>
                 <a:ea typeface="微軟正黑體" pitchFamily="34" charset="-120"/>
               </a:rPr>
-              <a:t>我要一心稱</a:t>
-            </a:r>
-            <a:r>
-              <a:rPr lang="zh-TW" altLang="en-US" b="1" dirty="0" smtClean="0">
+              <a:t>我要歌頌耶和華作為</a:t>
+            </a:r>
+            <a:endParaRPr lang="en-US" altLang="zh-TW" sz="6400" b="1" dirty="0">
+              <a:solidFill>
+                <a:srgbClr val="000066"/>
+              </a:solidFill>
+              <a:latin typeface="微軟正黑體" pitchFamily="34" charset="-120"/>
+              <a:ea typeface="微軟正黑體" pitchFamily="34" charset="-120"/>
+            </a:endParaRPr>
+          </a:p>
+          <a:p>
+            <a:pPr algn="ctr">
+              <a:buNone/>
+            </a:pPr>
+            <a:r>
+              <a:rPr lang="zh-TW" altLang="en-US" sz="6400" b="1" dirty="0">
+                <a:solidFill>
+                  <a:srgbClr val="000066"/>
+                </a:solidFill>
                 <a:latin typeface="微軟正黑體" pitchFamily="34" charset="-120"/>
                 <a:ea typeface="微軟正黑體" pitchFamily="34" charset="-120"/>
               </a:rPr>
-              <a:t>謝</a:t>
-            </a:r>
-            <a:r>
-              <a:rPr lang="zh-CN" altLang="en-US" b="1" dirty="0">
+              <a:t>因</a:t>
+            </a:r>
+            <a:r>
+              <a:rPr lang="zh-CN" altLang="en-US" sz="6400" b="1" dirty="0">
+                <a:solidFill>
+                  <a:srgbClr val="000066"/>
+                </a:solidFill>
                 <a:latin typeface="微軟正黑體" pitchFamily="34" charset="-120"/>
                 <a:ea typeface="微軟正黑體" pitchFamily="34" charset="-120"/>
               </a:rPr>
               <a:t>袮</a:t>
             </a:r>
-            <a:endParaRPr lang="zh-TW" altLang="en-US" b="1" dirty="0">
+            <a:r>
+              <a:rPr lang="zh-TW" altLang="en-US" sz="6400" b="1" dirty="0">
+                <a:solidFill>
+                  <a:srgbClr val="000066"/>
+                </a:solidFill>
+                <a:latin typeface="微軟正黑體" pitchFamily="34" charset="-120"/>
+                <a:ea typeface="微軟正黑體" pitchFamily="34" charset="-120"/>
+              </a:rPr>
+              <a:t>慈愛永遠長存</a:t>
+            </a:r>
+            <a:endParaRPr lang="en-US" altLang="zh-TW" sz="6400" b="1" dirty="0">
+              <a:solidFill>
+                <a:srgbClr val="000066"/>
+              </a:solidFill>
               <a:latin typeface="微軟正黑體" pitchFamily="34" charset="-120"/>
               <a:ea typeface="微軟正黑體" pitchFamily="34" charset="-120"/>
             </a:endParaRPr>
           </a:p>
         </p:txBody>
       </p:sp>
-      <p:sp>
-        <p:nvSpPr>
-          <p:cNvPr id="3" name="內容版面配置區 2"/>
+    </p:spTree>
+    <p:extLst>
+      <p:ext uri="{BB962C8B-B14F-4D97-AF65-F5344CB8AC3E}">
+        <p14:creationId xmlns:p14="http://schemas.microsoft.com/office/powerpoint/2010/main" val="1775118023"/>
+      </p:ext>
+    </p:extLst>
+  </p:cSld>
+  <p:clrMapOvr>
+    <a:masterClrMapping/>
+  </p:clrMapOvr>
+</p:sld>
+</file>
+
+<file path=ppt/slides/slide5.xml><?xml version="1.0" encoding="utf-8"?>
+<p:sld xmlns:a="http://schemas.openxmlformats.org/drawingml/2006/main" xmlns:r="http://schemas.openxmlformats.org/officeDocument/2006/relationships" xmlns:p="http://schemas.openxmlformats.org/presentationml/2006/main">
+  <p:cSld>
+    <p:spTree>
+      <p:nvGrpSpPr>
+        <p:cNvPr id="1" name=""/>
+        <p:cNvGrpSpPr/>
+        <p:nvPr/>
+      </p:nvGrpSpPr>
+      <p:grpSpPr>
+        <a:xfrm>
+          <a:off x="0" y="0"/>
+          <a:ext cx="0" cy="0"/>
+          <a:chOff x="0" y="0"/>
+          <a:chExt cx="0" cy="0"/>
+        </a:xfrm>
+      </p:grpSpPr>
+      <p:sp>
+        <p:nvSpPr>
+          <p:cNvPr id="5" name="內容版面配置區 4"/>
           <p:cNvSpPr>
             <a:spLocks noGrp="1"/>
           </p:cNvSpPr>
@@ -3801,9 +3648,14 @@
             <p:ph idx="1"/>
           </p:nvPr>
         </p:nvSpPr>
-        <p:spPr/>
-        <p:txBody>
-          <a:bodyPr>
+        <p:spPr>
+          <a:xfrm>
+            <a:off x="0" y="2084851"/>
+            <a:ext cx="12192000" cy="2404863"/>
+          </a:xfrm>
+        </p:spPr>
+        <p:txBody>
+          <a:bodyPr anchor="ctr">
             <a:normAutofit/>
           </a:bodyPr>
           <a:lstStyle/>
@@ -3812,32 +3664,121 @@
               <a:buNone/>
             </a:pPr>
             <a:r>
-              <a:rPr lang="zh-CN" altLang="en-US" sz="5400" b="1" dirty="0">
+              <a:rPr lang="zh-TW" altLang="en-US" sz="6400" b="1" dirty="0">
+                <a:solidFill>
+                  <a:srgbClr val="000066"/>
+                </a:solidFill>
+                <a:latin typeface="微軟正黑體" pitchFamily="34" charset="-120"/>
+                <a:ea typeface="微軟正黑體" pitchFamily="34" charset="-120"/>
+              </a:rPr>
+              <a:t>我雖行在困苦患難中</a:t>
+            </a:r>
+            <a:endParaRPr lang="en-US" altLang="zh-TW" sz="6400" b="1" dirty="0">
+              <a:solidFill>
+                <a:srgbClr val="000066"/>
+              </a:solidFill>
+              <a:latin typeface="微軟正黑體" pitchFamily="34" charset="-120"/>
+              <a:ea typeface="微軟正黑體" pitchFamily="34" charset="-120"/>
+            </a:endParaRPr>
+          </a:p>
+          <a:p>
+            <a:pPr algn="ctr">
+              <a:buNone/>
+            </a:pPr>
+            <a:r>
+              <a:rPr lang="zh-CN" altLang="en-US" sz="6400" b="1" dirty="0">
+                <a:solidFill>
+                  <a:srgbClr val="000066"/>
+                </a:solidFill>
                 <a:latin typeface="微軟正黑體" pitchFamily="34" charset="-120"/>
                 <a:ea typeface="微軟正黑體" pitchFamily="34" charset="-120"/>
               </a:rPr>
               <a:t>袮</a:t>
             </a:r>
             <a:r>
-              <a:rPr lang="zh-TW" altLang="en-US" sz="5400" b="1" dirty="0" smtClean="0">
+              <a:rPr lang="zh-TW" altLang="en-US" sz="6400" b="1" dirty="0">
+                <a:solidFill>
+                  <a:srgbClr val="000066"/>
+                </a:solidFill>
                 <a:latin typeface="微軟正黑體" pitchFamily="34" charset="-120"/>
                 <a:ea typeface="微軟正黑體" pitchFamily="34" charset="-120"/>
-                <a:cs typeface="+mj-cs"/>
               </a:rPr>
-              <a:t>必</a:t>
-            </a:r>
-            <a:r>
-              <a:rPr lang="zh-TW" altLang="en-US" sz="5400" b="1" dirty="0">
+              <a:t>應許必將我救活</a:t>
+            </a:r>
+          </a:p>
+        </p:txBody>
+      </p:sp>
+    </p:spTree>
+    <p:extLst>
+      <p:ext uri="{BB962C8B-B14F-4D97-AF65-F5344CB8AC3E}">
+        <p14:creationId xmlns:p14="http://schemas.microsoft.com/office/powerpoint/2010/main" val="4064797376"/>
+      </p:ext>
+    </p:extLst>
+  </p:cSld>
+  <p:clrMapOvr>
+    <a:masterClrMapping/>
+  </p:clrMapOvr>
+</p:sld>
+</file>
+
+<file path=ppt/slides/slide6.xml><?xml version="1.0" encoding="utf-8"?>
+<p:sld xmlns:a="http://schemas.openxmlformats.org/drawingml/2006/main" xmlns:r="http://schemas.openxmlformats.org/officeDocument/2006/relationships" xmlns:p="http://schemas.openxmlformats.org/presentationml/2006/main">
+  <p:cSld>
+    <p:spTree>
+      <p:nvGrpSpPr>
+        <p:cNvPr id="1" name=""/>
+        <p:cNvGrpSpPr/>
+        <p:nvPr/>
+      </p:nvGrpSpPr>
+      <p:grpSpPr>
+        <a:xfrm>
+          <a:off x="0" y="0"/>
+          <a:ext cx="0" cy="0"/>
+          <a:chOff x="0" y="0"/>
+          <a:chExt cx="0" cy="0"/>
+        </a:xfrm>
+      </p:grpSpPr>
+      <p:sp>
+        <p:nvSpPr>
+          <p:cNvPr id="5" name="內容版面配置區 4"/>
+          <p:cNvSpPr>
+            <a:spLocks noGrp="1"/>
+          </p:cNvSpPr>
+          <p:nvPr>
+            <p:ph idx="1"/>
+          </p:nvPr>
+        </p:nvSpPr>
+        <p:spPr>
+          <a:xfrm>
+            <a:off x="0" y="2084851"/>
+            <a:ext cx="12192000" cy="2404863"/>
+          </a:xfrm>
+        </p:spPr>
+        <p:txBody>
+          <a:bodyPr anchor="ctr">
+            <a:normAutofit/>
+          </a:bodyPr>
+          <a:lstStyle/>
+          <a:p>
+            <a:pPr algn="ctr">
+              <a:buNone/>
+            </a:pPr>
+            <a:r>
+              <a:rPr lang="zh-TW" altLang="en-US" sz="6400" b="1" dirty="0">
+                <a:solidFill>
+                  <a:srgbClr val="000066"/>
+                </a:solidFill>
                 <a:latin typeface="微軟正黑體" pitchFamily="34" charset="-120"/>
                 <a:ea typeface="微軟正黑體" pitchFamily="34" charset="-120"/>
-                <a:cs typeface="+mj-cs"/>
               </a:rPr>
-              <a:t>成全關乎我的事</a:t>
-            </a:r>
-            <a:endParaRPr lang="en-US" altLang="zh-TW" sz="5400" b="1" dirty="0">
+              <a:t>我要歌頌耶和華作為</a:t>
+            </a:r>
+            <a:endParaRPr lang="en-US" altLang="zh-TW" sz="6400" b="1" dirty="0">
+              <a:solidFill>
+                <a:srgbClr val="000066"/>
+              </a:solidFill>
               <a:latin typeface="微軟正黑體" pitchFamily="34" charset="-120"/>
               <a:ea typeface="微軟正黑體" pitchFamily="34" charset="-120"/>
-              <a:cs typeface="+mj-cs"/>
             </a:endParaRPr>
           </a:p>
           <a:p>
@@ -3845,32 +3786,271 @@
               <a:buNone/>
             </a:pPr>
             <a:r>
-              <a:rPr lang="zh-CN" altLang="en-US" sz="5400" b="1" dirty="0">
+              <a:rPr lang="zh-TW" altLang="en-US" sz="6400" b="1" dirty="0">
+                <a:solidFill>
+                  <a:srgbClr val="000066"/>
+                </a:solidFill>
+                <a:latin typeface="微軟正黑體" pitchFamily="34" charset="-120"/>
+                <a:ea typeface="微軟正黑體" pitchFamily="34" charset="-120"/>
+              </a:rPr>
+              <a:t>因</a:t>
+            </a:r>
+            <a:r>
+              <a:rPr lang="zh-CN" altLang="en-US" sz="6400" b="1" dirty="0">
+                <a:solidFill>
+                  <a:srgbClr val="000066"/>
+                </a:solidFill>
                 <a:latin typeface="微軟正黑體" pitchFamily="34" charset="-120"/>
                 <a:ea typeface="微軟正黑體" pitchFamily="34" charset="-120"/>
               </a:rPr>
               <a:t>袮</a:t>
             </a:r>
             <a:r>
-              <a:rPr lang="zh-TW" altLang="en-US" sz="5400" b="1" smtClean="0">
+              <a:rPr lang="zh-TW" altLang="en-US" sz="6400" b="1" dirty="0">
+                <a:solidFill>
+                  <a:srgbClr val="000066"/>
+                </a:solidFill>
                 <a:latin typeface="微軟正黑體" pitchFamily="34" charset="-120"/>
                 <a:ea typeface="微軟正黑體" pitchFamily="34" charset="-120"/>
-                <a:cs typeface="+mj-cs"/>
               </a:rPr>
-              <a:t>必</a:t>
-            </a:r>
-            <a:r>
-              <a:rPr lang="zh-TW" altLang="en-US" sz="5400" b="1" dirty="0">
+              <a:t>的名大有榮耀</a:t>
+            </a:r>
+            <a:endParaRPr lang="en-US" altLang="zh-TW" sz="6400" b="1" dirty="0">
+              <a:solidFill>
+                <a:srgbClr val="000066"/>
+              </a:solidFill>
+              <a:latin typeface="微軟正黑體" pitchFamily="34" charset="-120"/>
+              <a:ea typeface="微軟正黑體" pitchFamily="34" charset="-120"/>
+            </a:endParaRPr>
+          </a:p>
+        </p:txBody>
+      </p:sp>
+    </p:spTree>
+    <p:extLst>
+      <p:ext uri="{BB962C8B-B14F-4D97-AF65-F5344CB8AC3E}">
+        <p14:creationId xmlns:p14="http://schemas.microsoft.com/office/powerpoint/2010/main" val="1057052886"/>
+      </p:ext>
+    </p:extLst>
+  </p:cSld>
+  <p:clrMapOvr>
+    <a:masterClrMapping/>
+  </p:clrMapOvr>
+</p:sld>
+</file>
+
+<file path=ppt/slides/slide7.xml><?xml version="1.0" encoding="utf-8"?>
+<p:sld xmlns:a="http://schemas.openxmlformats.org/drawingml/2006/main" xmlns:r="http://schemas.openxmlformats.org/officeDocument/2006/relationships" xmlns:p="http://schemas.openxmlformats.org/presentationml/2006/main">
+  <p:cSld>
+    <p:spTree>
+      <p:nvGrpSpPr>
+        <p:cNvPr id="1" name=""/>
+        <p:cNvGrpSpPr/>
+        <p:nvPr/>
+      </p:nvGrpSpPr>
+      <p:grpSpPr>
+        <a:xfrm>
+          <a:off x="0" y="0"/>
+          <a:ext cx="0" cy="0"/>
+          <a:chOff x="0" y="0"/>
+          <a:chExt cx="0" cy="0"/>
+        </a:xfrm>
+      </p:grpSpPr>
+      <p:sp>
+        <p:nvSpPr>
+          <p:cNvPr id="5" name="內容版面配置區 4"/>
+          <p:cNvSpPr>
+            <a:spLocks noGrp="1"/>
+          </p:cNvSpPr>
+          <p:nvPr>
+            <p:ph idx="1"/>
+          </p:nvPr>
+        </p:nvSpPr>
+        <p:spPr>
+          <a:xfrm>
+            <a:off x="0" y="2084851"/>
+            <a:ext cx="12192000" cy="2404863"/>
+          </a:xfrm>
+        </p:spPr>
+        <p:txBody>
+          <a:bodyPr anchor="ctr">
+            <a:normAutofit/>
+          </a:bodyPr>
+          <a:lstStyle/>
+          <a:p>
+            <a:pPr algn="ctr">
+              <a:buNone/>
+            </a:pPr>
+            <a:r>
+              <a:rPr lang="zh-TW" altLang="en-US" sz="6400" b="1" dirty="0">
+                <a:solidFill>
+                  <a:srgbClr val="000066"/>
+                </a:solidFill>
                 <a:latin typeface="微軟正黑體" pitchFamily="34" charset="-120"/>
                 <a:ea typeface="微軟正黑體" pitchFamily="34" charset="-120"/>
-                <a:cs typeface="+mj-cs"/>
               </a:rPr>
-              <a:t>不離棄你手所創造的</a:t>
+              <a:t>我呼求時</a:t>
+            </a:r>
+            <a:r>
+              <a:rPr lang="zh-CN" altLang="en-US" sz="6400" b="1" dirty="0">
+                <a:solidFill>
+                  <a:srgbClr val="000066"/>
+                </a:solidFill>
+                <a:latin typeface="微軟正黑體" pitchFamily="34" charset="-120"/>
+                <a:ea typeface="微軟正黑體" pitchFamily="34" charset="-120"/>
+              </a:rPr>
+              <a:t>袮</a:t>
+            </a:r>
+            <a:r>
+              <a:rPr lang="zh-TW" altLang="en-US" sz="6400" b="1" dirty="0">
+                <a:solidFill>
+                  <a:srgbClr val="000066"/>
+                </a:solidFill>
+                <a:latin typeface="微軟正黑體" pitchFamily="34" charset="-120"/>
+                <a:ea typeface="微軟正黑體" pitchFamily="34" charset="-120"/>
+              </a:rPr>
+              <a:t>必應允我</a:t>
+            </a:r>
+            <a:endParaRPr lang="en-US" altLang="zh-TW" sz="6400" b="1" dirty="0">
+              <a:solidFill>
+                <a:srgbClr val="000066"/>
+              </a:solidFill>
+              <a:latin typeface="微軟正黑體" pitchFamily="34" charset="-120"/>
+              <a:ea typeface="微軟正黑體" pitchFamily="34" charset="-120"/>
+            </a:endParaRPr>
+          </a:p>
+          <a:p>
+            <a:pPr algn="ctr">
+              <a:buNone/>
+            </a:pPr>
+            <a:r>
+              <a:rPr lang="zh-TW" altLang="en-US" sz="6400" b="1" dirty="0">
+                <a:solidFill>
+                  <a:srgbClr val="000066"/>
+                </a:solidFill>
+                <a:latin typeface="微軟正黑體" pitchFamily="34" charset="-120"/>
+                <a:ea typeface="微軟正黑體" pitchFamily="34" charset="-120"/>
+              </a:rPr>
+              <a:t>鼓勵我   使我心裡有能力</a:t>
             </a:r>
           </a:p>
         </p:txBody>
       </p:sp>
     </p:spTree>
+    <p:extLst>
+      <p:ext uri="{BB962C8B-B14F-4D97-AF65-F5344CB8AC3E}">
+        <p14:creationId xmlns:p14="http://schemas.microsoft.com/office/powerpoint/2010/main" val="1824776406"/>
+      </p:ext>
+    </p:extLst>
+  </p:cSld>
+  <p:clrMapOvr>
+    <a:masterClrMapping/>
+  </p:clrMapOvr>
+</p:sld>
+</file>
+
+<file path=ppt/slides/slide8.xml><?xml version="1.0" encoding="utf-8"?>
+<p:sld xmlns:a="http://schemas.openxmlformats.org/drawingml/2006/main" xmlns:r="http://schemas.openxmlformats.org/officeDocument/2006/relationships" xmlns:p="http://schemas.openxmlformats.org/presentationml/2006/main">
+  <p:cSld>
+    <p:spTree>
+      <p:nvGrpSpPr>
+        <p:cNvPr id="1" name=""/>
+        <p:cNvGrpSpPr/>
+        <p:nvPr/>
+      </p:nvGrpSpPr>
+      <p:grpSpPr>
+        <a:xfrm>
+          <a:off x="0" y="0"/>
+          <a:ext cx="0" cy="0"/>
+          <a:chOff x="0" y="0"/>
+          <a:chExt cx="0" cy="0"/>
+        </a:xfrm>
+      </p:grpSpPr>
+      <p:sp>
+        <p:nvSpPr>
+          <p:cNvPr id="5" name="內容版面配置區 4"/>
+          <p:cNvSpPr>
+            <a:spLocks noGrp="1"/>
+          </p:cNvSpPr>
+          <p:nvPr>
+            <p:ph idx="1"/>
+          </p:nvPr>
+        </p:nvSpPr>
+        <p:spPr>
+          <a:xfrm>
+            <a:off x="0" y="2084851"/>
+            <a:ext cx="12192000" cy="2404863"/>
+          </a:xfrm>
+        </p:spPr>
+        <p:txBody>
+          <a:bodyPr anchor="ctr">
+            <a:normAutofit/>
+          </a:bodyPr>
+          <a:lstStyle/>
+          <a:p>
+            <a:pPr algn="ctr">
+              <a:buNone/>
+            </a:pPr>
+            <a:r>
+              <a:rPr lang="zh-CN" altLang="en-US" sz="6400" b="1" dirty="0">
+                <a:solidFill>
+                  <a:srgbClr val="000066"/>
+                </a:solidFill>
+                <a:latin typeface="微軟正黑體" pitchFamily="34" charset="-120"/>
+                <a:ea typeface="微軟正黑體" pitchFamily="34" charset="-120"/>
+              </a:rPr>
+              <a:t>袮</a:t>
+            </a:r>
+            <a:r>
+              <a:rPr lang="zh-TW" altLang="en-US" sz="6400" b="1" dirty="0">
+                <a:solidFill>
+                  <a:srgbClr val="000066"/>
+                </a:solidFill>
+                <a:latin typeface="微軟正黑體" pitchFamily="34" charset="-120"/>
+                <a:ea typeface="微軟正黑體" pitchFamily="34" charset="-120"/>
+              </a:rPr>
+              <a:t>必成全關乎我的事</a:t>
+            </a:r>
+            <a:endParaRPr lang="en-US" altLang="zh-TW" sz="6400" b="1" dirty="0">
+              <a:solidFill>
+                <a:srgbClr val="000066"/>
+              </a:solidFill>
+              <a:latin typeface="微軟正黑體" pitchFamily="34" charset="-120"/>
+              <a:ea typeface="微軟正黑體" pitchFamily="34" charset="-120"/>
+            </a:endParaRPr>
+          </a:p>
+          <a:p>
+            <a:pPr algn="ctr">
+              <a:buNone/>
+            </a:pPr>
+            <a:r>
+              <a:rPr lang="zh-CN" altLang="en-US" sz="6400" b="1" dirty="0">
+                <a:solidFill>
+                  <a:srgbClr val="000066"/>
+                </a:solidFill>
+                <a:latin typeface="微軟正黑體" pitchFamily="34" charset="-120"/>
+                <a:ea typeface="微軟正黑體" pitchFamily="34" charset="-120"/>
+              </a:rPr>
+              <a:t>袮</a:t>
+            </a:r>
+            <a:r>
+              <a:rPr lang="zh-TW" altLang="en-US" sz="6400" b="1" dirty="0">
+                <a:solidFill>
+                  <a:srgbClr val="000066"/>
+                </a:solidFill>
+                <a:latin typeface="微軟正黑體" pitchFamily="34" charset="-120"/>
+                <a:ea typeface="微軟正黑體" pitchFamily="34" charset="-120"/>
+              </a:rPr>
+              <a:t>必不離棄你手所創造的</a:t>
+            </a:r>
+          </a:p>
+        </p:txBody>
+      </p:sp>
+    </p:spTree>
+    <p:extLst>
+      <p:ext uri="{BB962C8B-B14F-4D97-AF65-F5344CB8AC3E}">
+        <p14:creationId xmlns:p14="http://schemas.microsoft.com/office/powerpoint/2010/main" val="2123583591"/>
+      </p:ext>
+    </p:extLst>
   </p:cSld>
   <p:clrMapOvr>
     <a:masterClrMapping/>
